--- a/English/6.Visuals/9.The Slicers.pptx
+++ b/English/6.Visuals/9.The Slicers.pptx
@@ -19,7 +19,7 @@
   <p:notesSz cx="6858000" cy="9144000"/>
   <p:defaultTextStyle>
     <a:defPPr>
-      <a:defRPr lang="en-US"/>
+      <a:defRPr lang="en"/>
     </a:defPPr>
     <a:lvl1pPr marL="0" algn="l" defTabSz="914400" rtl="0" eaLnBrk="1" latinLnBrk="0" hangingPunct="1">
       <a:defRPr sz="1800" kern="1200">
@@ -202,7 +202,7 @@
           <a:p>
             <a:fld id="{056BA3B8-9F76-4D81-B71D-76CB85363062}" type="datetimeFigureOut">
               <a:rPr lang="en-US" smtClean="0"/>
-              <a:t>1/4/2025</a:t>
+              <a:t>4/3/2025</a:t>
             </a:fld>
             <a:endParaRPr lang="en-US"/>
           </a:p>
@@ -601,7 +601,7 @@
           <a:p>
             <a:fld id="{6F01DA4D-20EA-48D2-973C-0311EC3005D6}" type="datetimeFigureOut">
               <a:rPr lang="en-US" smtClean="0"/>
-              <a:t>1/4/2025</a:t>
+              <a:t>4/3/2025</a:t>
             </a:fld>
             <a:endParaRPr lang="en-US"/>
           </a:p>
@@ -771,7 +771,7 @@
           <a:p>
             <a:fld id="{6F01DA4D-20EA-48D2-973C-0311EC3005D6}" type="datetimeFigureOut">
               <a:rPr lang="en-US" smtClean="0"/>
-              <a:t>1/4/2025</a:t>
+              <a:t>4/3/2025</a:t>
             </a:fld>
             <a:endParaRPr lang="en-US"/>
           </a:p>
@@ -951,7 +951,7 @@
           <a:p>
             <a:fld id="{6F01DA4D-20EA-48D2-973C-0311EC3005D6}" type="datetimeFigureOut">
               <a:rPr lang="en-US" smtClean="0"/>
-              <a:t>1/4/2025</a:t>
+              <a:t>4/3/2025</a:t>
             </a:fld>
             <a:endParaRPr lang="en-US"/>
           </a:p>
@@ -1121,7 +1121,7 @@
           <a:p>
             <a:fld id="{6F01DA4D-20EA-48D2-973C-0311EC3005D6}" type="datetimeFigureOut">
               <a:rPr lang="en-US" smtClean="0"/>
-              <a:t>1/4/2025</a:t>
+              <a:t>4/3/2025</a:t>
             </a:fld>
             <a:endParaRPr lang="en-US"/>
           </a:p>
@@ -1367,7 +1367,7 @@
           <a:p>
             <a:fld id="{6F01DA4D-20EA-48D2-973C-0311EC3005D6}" type="datetimeFigureOut">
               <a:rPr lang="en-US" smtClean="0"/>
-              <a:t>1/4/2025</a:t>
+              <a:t>4/3/2025</a:t>
             </a:fld>
             <a:endParaRPr lang="en-US"/>
           </a:p>
@@ -1599,7 +1599,7 @@
           <a:p>
             <a:fld id="{6F01DA4D-20EA-48D2-973C-0311EC3005D6}" type="datetimeFigureOut">
               <a:rPr lang="en-US" smtClean="0"/>
-              <a:t>1/4/2025</a:t>
+              <a:t>4/3/2025</a:t>
             </a:fld>
             <a:endParaRPr lang="en-US"/>
           </a:p>
@@ -1966,7 +1966,7 @@
           <a:p>
             <a:fld id="{6F01DA4D-20EA-48D2-973C-0311EC3005D6}" type="datetimeFigureOut">
               <a:rPr lang="en-US" smtClean="0"/>
-              <a:t>1/4/2025</a:t>
+              <a:t>4/3/2025</a:t>
             </a:fld>
             <a:endParaRPr lang="en-US"/>
           </a:p>
@@ -2084,7 +2084,7 @@
           <a:p>
             <a:fld id="{6F01DA4D-20EA-48D2-973C-0311EC3005D6}" type="datetimeFigureOut">
               <a:rPr lang="en-US" smtClean="0"/>
-              <a:t>1/4/2025</a:t>
+              <a:t>4/3/2025</a:t>
             </a:fld>
             <a:endParaRPr lang="en-US"/>
           </a:p>
@@ -2179,7 +2179,7 @@
           <a:p>
             <a:fld id="{6F01DA4D-20EA-48D2-973C-0311EC3005D6}" type="datetimeFigureOut">
               <a:rPr lang="en-US" smtClean="0"/>
-              <a:t>1/4/2025</a:t>
+              <a:t>4/3/2025</a:t>
             </a:fld>
             <a:endParaRPr lang="en-US"/>
           </a:p>
@@ -2456,7 +2456,7 @@
           <a:p>
             <a:fld id="{6F01DA4D-20EA-48D2-973C-0311EC3005D6}" type="datetimeFigureOut">
               <a:rPr lang="en-US" smtClean="0"/>
-              <a:t>1/4/2025</a:t>
+              <a:t>4/3/2025</a:t>
             </a:fld>
             <a:endParaRPr lang="en-US"/>
           </a:p>
@@ -2709,7 +2709,7 @@
           <a:p>
             <a:fld id="{6F01DA4D-20EA-48D2-973C-0311EC3005D6}" type="datetimeFigureOut">
               <a:rPr lang="en-US" smtClean="0"/>
-              <a:t>1/4/2025</a:t>
+              <a:t>4/3/2025</a:t>
             </a:fld>
             <a:endParaRPr lang="en-US"/>
           </a:p>
@@ -2922,7 +2922,7 @@
           <a:p>
             <a:fld id="{6F01DA4D-20EA-48D2-973C-0311EC3005D6}" type="datetimeFigureOut">
               <a:rPr lang="en-US" smtClean="0"/>
-              <a:t>1/4/2025</a:t>
+              <a:t>4/3/2025</a:t>
             </a:fld>
             <a:endParaRPr lang="en-US"/>
           </a:p>
@@ -3359,7 +3359,7 @@
           <a:p>
             <a:pPr algn="ctr"/>
             <a:r>
-              <a:rPr lang="fr-FR" sz="8000" b="1" dirty="0" smtClean="0">
+              <a:rPr lang="en" sz="8000" b="1" dirty="0" smtClean="0">
                 <a:solidFill>
                   <a:srgbClr val="7030A0"/>
                 </a:solidFill>
@@ -3370,7 +3370,7 @@
               <a:t>The </a:t>
             </a:r>
             <a:r>
-              <a:rPr lang="fr-FR" sz="8000" b="1" dirty="0" err="1" smtClean="0">
+              <a:rPr lang="en" sz="8000" b="1" dirty="0" err="1" smtClean="0">
                 <a:solidFill>
                   <a:srgbClr val="7030A0"/>
                 </a:solidFill>
@@ -3378,7 +3378,7 @@
                 <a:ea typeface="Verdana" panose="020B0604030504040204" pitchFamily="34" charset="0"/>
                 <a:cs typeface="Segoe UI" panose="020B0502040204020203" pitchFamily="34" charset="0"/>
               </a:rPr>
-              <a:t>Slicers</a:t>
+              <a:t>slicers</a:t>
             </a:r>
             <a:endParaRPr lang="en-US" sz="8000" b="1" dirty="0">
               <a:solidFill>
@@ -3415,7 +3415,7 @@
           <a:p>
             <a:pPr algn="ctr"/>
             <a:r>
-              <a:rPr lang="fr-FR" sz="8000" b="1" dirty="0" smtClean="0">
+              <a:rPr lang="en" sz="8000" b="1" dirty="0" smtClean="0">
                 <a:solidFill>
                   <a:schemeClr val="bg1"/>
                 </a:solidFill>
@@ -3426,7 +3426,7 @@
               <a:t>The </a:t>
             </a:r>
             <a:r>
-              <a:rPr lang="fr-FR" sz="8000" b="1" dirty="0" err="1" smtClean="0">
+              <a:rPr lang="en" sz="8000" b="1" dirty="0" err="1" smtClean="0">
                 <a:solidFill>
                   <a:schemeClr val="bg1"/>
                 </a:solidFill>
@@ -3434,7 +3434,7 @@
                 <a:ea typeface="Verdana" panose="020B0604030504040204" pitchFamily="34" charset="0"/>
                 <a:cs typeface="Segoe UI" panose="020B0502040204020203" pitchFamily="34" charset="0"/>
               </a:rPr>
-              <a:t>Slicers</a:t>
+              <a:t>slicers</a:t>
             </a:r>
             <a:endParaRPr lang="en-US" sz="8000" b="1" dirty="0">
               <a:solidFill>
@@ -3500,11 +3500,11 @@
           <a:lstStyle/>
           <a:p>
             <a:r>
-              <a:rPr lang="en-US" sz="2400" dirty="0" smtClean="0">
+              <a:rPr lang="en" sz="2400" dirty="0" smtClean="0">
                 <a:latin typeface="Segoe UI" panose="020B0502040204020203" pitchFamily="34" charset="0"/>
                 <a:cs typeface="Segoe UI" panose="020B0502040204020203" pitchFamily="34" charset="0"/>
               </a:rPr>
-              <a:t>The Slicers</a:t>
+              <a:t>The slicers</a:t>
             </a:r>
             <a:endParaRPr lang="en-US" sz="2400" dirty="0">
               <a:latin typeface="Segoe UI" panose="020B0502040204020203" pitchFamily="34" charset="0"/>
@@ -3543,7 +3543,7 @@
               </a:spcAft>
             </a:pPr>
             <a:r>
-              <a:rPr lang="en-US" dirty="0" smtClean="0">
+              <a:rPr lang="en" dirty="0" smtClean="0">
                 <a:latin typeface="Segoe UI" panose="020B0502040204020203" pitchFamily="34" charset="0"/>
                 <a:ea typeface="Calibri" panose="020F0502020204030204" pitchFamily="34" charset="0"/>
                 <a:cs typeface="Times New Roman" panose="02020603050405020304" pitchFamily="18" charset="0"/>
@@ -3551,7 +3551,7 @@
               <a:t>Add two </a:t>
             </a:r>
             <a:r>
-              <a:rPr lang="en-US" b="1" dirty="0" smtClean="0">
+              <a:rPr lang="en" b="1" dirty="0" smtClean="0">
                 <a:latin typeface="Segoe UI" panose="020B0502040204020203" pitchFamily="34" charset="0"/>
                 <a:ea typeface="Calibri" panose="020F0502020204030204" pitchFamily="34" charset="0"/>
                 <a:cs typeface="Times New Roman" panose="02020603050405020304" pitchFamily="18" charset="0"/>
@@ -3559,36 +3559,20 @@
               <a:t>Slicer visualizations </a:t>
             </a:r>
             <a:r>
-              <a:rPr lang="en-US" dirty="0" smtClean="0">
+              <a:rPr lang="en" dirty="0" smtClean="0">
                 <a:latin typeface="Segoe UI" panose="020B0502040204020203" pitchFamily="34" charset="0"/>
                 <a:ea typeface="Calibri" panose="020F0502020204030204" pitchFamily="34" charset="0"/>
                 <a:cs typeface="Times New Roman" panose="02020603050405020304" pitchFamily="18" charset="0"/>
               </a:rPr>
-              <a:t>to the scene and one </a:t>
-            </a:r>
-            <a:r>
-              <a:rPr lang="en-US" b="1" dirty="0" smtClean="0">
+              <a:t>to the scene and a </a:t>
+            </a:r>
+            <a:r>
+              <a:rPr lang="en" b="1" dirty="0" smtClean="0">
                 <a:latin typeface="Segoe UI" panose="020B0502040204020203" pitchFamily="34" charset="0"/>
                 <a:ea typeface="Calibri" panose="020F0502020204030204" pitchFamily="34" charset="0"/>
                 <a:cs typeface="Times New Roman" panose="02020603050405020304" pitchFamily="18" charset="0"/>
               </a:rPr>
-              <a:t>Card </a:t>
-            </a:r>
-            <a:r>
-              <a:rPr lang="en-US" dirty="0" smtClean="0">
-                <a:latin typeface="Segoe UI" panose="020B0502040204020203" pitchFamily="34" charset="0"/>
-                <a:ea typeface="Calibri" panose="020F0502020204030204" pitchFamily="34" charset="0"/>
-                <a:cs typeface="Times New Roman" panose="02020603050405020304" pitchFamily="18" charset="0"/>
-              </a:rPr>
-              <a:t>Visual</a:t>
-            </a:r>
-            <a:r>
-              <a:rPr lang="en-US" b="1" dirty="0" smtClean="0">
-                <a:latin typeface="Segoe UI" panose="020B0502040204020203" pitchFamily="34" charset="0"/>
-                <a:ea typeface="Calibri" panose="020F0502020204030204" pitchFamily="34" charset="0"/>
-                <a:cs typeface="Times New Roman" panose="02020603050405020304" pitchFamily="18" charset="0"/>
-              </a:rPr>
-              <a:t>  </a:t>
+              <a:t>map visual</a:t>
             </a:r>
             <a:endParaRPr lang="en-US" sz="1400" dirty="0">
               <a:effectLst/>
@@ -3653,7 +3637,7 @@
               </a:spcAft>
             </a:pPr>
             <a:r>
-              <a:rPr lang="en-US" dirty="0" smtClean="0">
+              <a:rPr lang="en" dirty="0" smtClean="0">
                 <a:latin typeface="Segoe UI" panose="020B0502040204020203" pitchFamily="34" charset="0"/>
                 <a:ea typeface="Calibri" panose="020F0502020204030204" pitchFamily="34" charset="0"/>
                 <a:cs typeface="Times New Roman" panose="02020603050405020304" pitchFamily="18" charset="0"/>
@@ -3661,39 +3645,39 @@
               <a:t>Configure the </a:t>
             </a:r>
             <a:r>
-              <a:rPr lang="en-US" b="1" dirty="0" smtClean="0">
+              <a:rPr lang="en" b="1" dirty="0" smtClean="0">
                 <a:latin typeface="Segoe UI" panose="020B0502040204020203" pitchFamily="34" charset="0"/>
                 <a:ea typeface="Calibri" panose="020F0502020204030204" pitchFamily="34" charset="0"/>
                 <a:cs typeface="Times New Roman" panose="02020603050405020304" pitchFamily="18" charset="0"/>
               </a:rPr>
-              <a:t>Card </a:t>
-            </a:r>
-            <a:r>
-              <a:rPr lang="en-US" dirty="0" smtClean="0">
+              <a:t>map visual </a:t>
+            </a:r>
+            <a:r>
+              <a:rPr lang="en" dirty="0" smtClean="0">
                 <a:latin typeface="Segoe UI" panose="020B0502040204020203" pitchFamily="34" charset="0"/>
                 <a:ea typeface="Calibri" panose="020F0502020204030204" pitchFamily="34" charset="0"/>
                 <a:cs typeface="Times New Roman" panose="02020603050405020304" pitchFamily="18" charset="0"/>
               </a:rPr>
-              <a:t>Visual to shows </a:t>
-            </a:r>
-            <a:r>
-              <a:rPr lang="en-US" b="1" dirty="0" smtClean="0">
+              <a:t>to display </a:t>
+            </a:r>
+            <a:r>
+              <a:rPr lang="en" b="1" dirty="0" smtClean="0">
                 <a:latin typeface="Segoe UI" panose="020B0502040204020203" pitchFamily="34" charset="0"/>
                 <a:ea typeface="Calibri" panose="020F0502020204030204" pitchFamily="34" charset="0"/>
                 <a:cs typeface="Times New Roman" panose="02020603050405020304" pitchFamily="18" charset="0"/>
               </a:rPr>
-              <a:t>Sales Amount</a:t>
-            </a:r>
-            <a:r>
-              <a:rPr lang="en-US" dirty="0" smtClean="0">
+              <a:t>the sales amount </a:t>
+            </a:r>
+            <a:r>
+              <a:rPr lang="en" dirty="0" smtClean="0">
                 <a:latin typeface="Segoe UI" panose="020B0502040204020203" pitchFamily="34" charset="0"/>
                 <a:ea typeface="Calibri" panose="020F0502020204030204" pitchFamily="34" charset="0"/>
                 <a:cs typeface="Times New Roman" panose="02020603050405020304" pitchFamily="18" charset="0"/>
               </a:rPr>
-              <a:t> from </a:t>
-            </a:r>
-            <a:r>
-              <a:rPr lang="en-US" b="1" dirty="0" err="1" smtClean="0">
+              <a:t>from </a:t>
+            </a:r>
+            <a:r>
+              <a:rPr lang="en" b="1" dirty="0" err="1" smtClean="0">
                 <a:latin typeface="Segoe UI" panose="020B0502040204020203" pitchFamily="34" charset="0"/>
                 <a:ea typeface="Calibri" panose="020F0502020204030204" pitchFamily="34" charset="0"/>
                 <a:cs typeface="Times New Roman" panose="02020603050405020304" pitchFamily="18" charset="0"/>
@@ -3701,7 +3685,7 @@
               <a:t>FactInternetSales</a:t>
             </a:r>
             <a:r>
-              <a:rPr lang="en-US" b="1" dirty="0" smtClean="0">
+              <a:rPr lang="en" b="1" dirty="0" smtClean="0">
                 <a:latin typeface="Segoe UI" panose="020B0502040204020203" pitchFamily="34" charset="0"/>
                 <a:ea typeface="Calibri" panose="020F0502020204030204" pitchFamily="34" charset="0"/>
                 <a:cs typeface="Times New Roman" panose="02020603050405020304" pitchFamily="18" charset="0"/>
@@ -3709,15 +3693,15 @@
               <a:t> </a:t>
             </a:r>
             <a:r>
-              <a:rPr lang="en-US" dirty="0" smtClean="0">
+              <a:rPr lang="en" dirty="0" smtClean="0">
                 <a:latin typeface="Segoe UI" panose="020B0502040204020203" pitchFamily="34" charset="0"/>
                 <a:ea typeface="Calibri" panose="020F0502020204030204" pitchFamily="34" charset="0"/>
                 <a:cs typeface="Times New Roman" panose="02020603050405020304" pitchFamily="18" charset="0"/>
               </a:rPr>
-              <a:t>table </a:t>
-            </a:r>
-            <a:r>
-              <a:rPr lang="en-US" b="1" dirty="0" smtClean="0">
+              <a:t>painting </a:t>
+            </a:r>
+            <a:r>
+              <a:rPr lang="en" b="1" dirty="0" smtClean="0">
                 <a:latin typeface="Segoe UI" panose="020B0502040204020203" pitchFamily="34" charset="0"/>
                 <a:ea typeface="Calibri" panose="020F0502020204030204" pitchFamily="34" charset="0"/>
                 <a:cs typeface="Times New Roman" panose="02020603050405020304" pitchFamily="18" charset="0"/>
@@ -3763,15 +3747,15 @@
               </a:spcAft>
             </a:pPr>
             <a:r>
-              <a:rPr lang="fr-FR" dirty="0" smtClean="0">
+              <a:rPr lang="en" dirty="0" smtClean="0">
                 <a:latin typeface="Segoe UI" panose="020B0502040204020203" pitchFamily="34" charset="0"/>
                 <a:ea typeface="Calibri" panose="020F0502020204030204" pitchFamily="34" charset="0"/>
                 <a:cs typeface="Times New Roman" panose="02020603050405020304" pitchFamily="18" charset="0"/>
               </a:rPr>
-              <a:t>Configure the first Slicer to show </a:t>
-            </a:r>
-            <a:r>
-              <a:rPr lang="fr-FR" b="1" dirty="0" err="1" smtClean="0">
+              <a:t>Configure the first slicer to display </a:t>
+            </a:r>
+            <a:r>
+              <a:rPr lang="en" b="1" dirty="0" err="1" smtClean="0">
                 <a:latin typeface="Segoe UI" panose="020B0502040204020203" pitchFamily="34" charset="0"/>
                 <a:ea typeface="Calibri" panose="020F0502020204030204" pitchFamily="34" charset="0"/>
                 <a:cs typeface="Times New Roman" panose="02020603050405020304" pitchFamily="18" charset="0"/>
@@ -3779,7 +3763,7 @@
               <a:t>ProductLine</a:t>
             </a:r>
             <a:r>
-              <a:rPr lang="fr-FR" dirty="0" smtClean="0">
+              <a:rPr lang="en" dirty="0" smtClean="0">
                 <a:latin typeface="Segoe UI" panose="020B0502040204020203" pitchFamily="34" charset="0"/>
                 <a:ea typeface="Calibri" panose="020F0502020204030204" pitchFamily="34" charset="0"/>
                 <a:cs typeface="Times New Roman" panose="02020603050405020304" pitchFamily="18" charset="0"/>
@@ -3787,36 +3771,28 @@
               <a:t> </a:t>
             </a:r>
             <a:r>
-              <a:rPr lang="fr-FR" dirty="0" err="1" smtClean="0">
+              <a:rPr lang="en" dirty="0" err="1" smtClean="0">
                 <a:latin typeface="Segoe UI" panose="020B0502040204020203" pitchFamily="34" charset="0"/>
                 <a:ea typeface="Calibri" panose="020F0502020204030204" pitchFamily="34" charset="0"/>
                 <a:cs typeface="Times New Roman" panose="02020603050405020304" pitchFamily="18" charset="0"/>
               </a:rPr>
-              <a:t>from</a:t>
-            </a:r>
-            <a:r>
-              <a:rPr lang="fr-FR" dirty="0" smtClean="0">
+              <a:t>from the </a:t>
+            </a:r>
+            <a:r>
+              <a:rPr lang="en" b="1" dirty="0" err="1" smtClean="0">
                 <a:latin typeface="Segoe UI" panose="020B0502040204020203" pitchFamily="34" charset="0"/>
                 <a:ea typeface="Calibri" panose="020F0502020204030204" pitchFamily="34" charset="0"/>
                 <a:cs typeface="Times New Roman" panose="02020603050405020304" pitchFamily="18" charset="0"/>
               </a:rPr>
-              <a:t> the </a:t>
-            </a:r>
-            <a:r>
-              <a:rPr lang="fr-FR" b="1" dirty="0" err="1" smtClean="0">
+              <a:t>DimProduct </a:t>
+            </a:r>
+            <a:r>
+              <a:rPr lang="en" dirty="0" smtClean="0">
                 <a:latin typeface="Segoe UI" panose="020B0502040204020203" pitchFamily="34" charset="0"/>
                 <a:ea typeface="Calibri" panose="020F0502020204030204" pitchFamily="34" charset="0"/>
                 <a:cs typeface="Times New Roman" panose="02020603050405020304" pitchFamily="18" charset="0"/>
               </a:rPr>
-              <a:t>DimProduct</a:t>
-            </a:r>
-            <a:r>
-              <a:rPr lang="fr-FR" dirty="0" smtClean="0">
-                <a:latin typeface="Segoe UI" panose="020B0502040204020203" pitchFamily="34" charset="0"/>
-                <a:ea typeface="Calibri" panose="020F0502020204030204" pitchFamily="34" charset="0"/>
-                <a:cs typeface="Times New Roman" panose="02020603050405020304" pitchFamily="18" charset="0"/>
-              </a:rPr>
-              <a:t> Table</a:t>
+              <a:t>table</a:t>
             </a:r>
             <a:endParaRPr lang="en-US" sz="1400" dirty="0">
               <a:effectLst/>
@@ -3857,23 +3833,23 @@
               </a:spcAft>
             </a:pPr>
             <a:r>
-              <a:rPr lang="fr-FR" dirty="0" smtClean="0">
+              <a:rPr lang="en" dirty="0" smtClean="0">
                 <a:latin typeface="Segoe UI" panose="020B0502040204020203" pitchFamily="34" charset="0"/>
                 <a:ea typeface="Calibri" panose="020F0502020204030204" pitchFamily="34" charset="0"/>
                 <a:cs typeface="Times New Roman" panose="02020603050405020304" pitchFamily="18" charset="0"/>
               </a:rPr>
-              <a:t>Configure the second Slicer to show </a:t>
-            </a:r>
-            <a:r>
-              <a:rPr lang="fr-FR" b="1" dirty="0" err="1" smtClean="0">
+              <a:t>Configure the second slicer to display </a:t>
+            </a:r>
+            <a:r>
+              <a:rPr lang="en" b="1" dirty="0" err="1" smtClean="0">
                 <a:latin typeface="Segoe UI" panose="020B0502040204020203" pitchFamily="34" charset="0"/>
                 <a:ea typeface="Calibri" panose="020F0502020204030204" pitchFamily="34" charset="0"/>
                 <a:cs typeface="Times New Roman" panose="02020603050405020304" pitchFamily="18" charset="0"/>
               </a:rPr>
-              <a:t>Gender</a:t>
-            </a:r>
-            <a:r>
-              <a:rPr lang="fr-FR" dirty="0" smtClean="0">
+              <a:t>gender</a:t>
+            </a:r>
+            <a:r>
+              <a:rPr lang="en" dirty="0" smtClean="0">
                 <a:latin typeface="Segoe UI" panose="020B0502040204020203" pitchFamily="34" charset="0"/>
                 <a:ea typeface="Calibri" panose="020F0502020204030204" pitchFamily="34" charset="0"/>
                 <a:cs typeface="Times New Roman" panose="02020603050405020304" pitchFamily="18" charset="0"/>
@@ -3881,36 +3857,28 @@
               <a:t> </a:t>
             </a:r>
             <a:r>
-              <a:rPr lang="fr-FR" dirty="0" err="1" smtClean="0">
+              <a:rPr lang="en" dirty="0" err="1" smtClean="0">
                 <a:latin typeface="Segoe UI" panose="020B0502040204020203" pitchFamily="34" charset="0"/>
                 <a:ea typeface="Calibri" panose="020F0502020204030204" pitchFamily="34" charset="0"/>
                 <a:cs typeface="Times New Roman" panose="02020603050405020304" pitchFamily="18" charset="0"/>
               </a:rPr>
-              <a:t>from</a:t>
-            </a:r>
-            <a:r>
-              <a:rPr lang="fr-FR" dirty="0" smtClean="0">
+              <a:t>from the </a:t>
+            </a:r>
+            <a:r>
+              <a:rPr lang="en" b="1" dirty="0" err="1" smtClean="0">
                 <a:latin typeface="Segoe UI" panose="020B0502040204020203" pitchFamily="34" charset="0"/>
                 <a:ea typeface="Calibri" panose="020F0502020204030204" pitchFamily="34" charset="0"/>
                 <a:cs typeface="Times New Roman" panose="02020603050405020304" pitchFamily="18" charset="0"/>
               </a:rPr>
-              <a:t> the </a:t>
-            </a:r>
-            <a:r>
-              <a:rPr lang="fr-FR" b="1" dirty="0" err="1" smtClean="0">
+              <a:t>DimCustomer </a:t>
+            </a:r>
+            <a:r>
+              <a:rPr lang="en" dirty="0" smtClean="0">
                 <a:latin typeface="Segoe UI" panose="020B0502040204020203" pitchFamily="34" charset="0"/>
                 <a:ea typeface="Calibri" panose="020F0502020204030204" pitchFamily="34" charset="0"/>
                 <a:cs typeface="Times New Roman" panose="02020603050405020304" pitchFamily="18" charset="0"/>
               </a:rPr>
-              <a:t>DimCustomer</a:t>
-            </a:r>
-            <a:r>
-              <a:rPr lang="fr-FR" dirty="0" smtClean="0">
-                <a:latin typeface="Segoe UI" panose="020B0502040204020203" pitchFamily="34" charset="0"/>
-                <a:ea typeface="Calibri" panose="020F0502020204030204" pitchFamily="34" charset="0"/>
-                <a:cs typeface="Times New Roman" panose="02020603050405020304" pitchFamily="18" charset="0"/>
-              </a:rPr>
-              <a:t> Table</a:t>
+              <a:t>table</a:t>
             </a:r>
             <a:endParaRPr lang="en-US" sz="1400" dirty="0">
               <a:effectLst/>
@@ -3951,28 +3919,12 @@
               </a:spcAft>
             </a:pPr>
             <a:r>
-              <a:rPr lang="en-US" dirty="0" smtClean="0">
+              <a:rPr lang="en" dirty="0" smtClean="0">
                 <a:latin typeface="Segoe UI" panose="020B0502040204020203" pitchFamily="34" charset="0"/>
                 <a:ea typeface="Calibri" panose="020F0502020204030204" pitchFamily="34" charset="0"/>
                 <a:cs typeface="Times New Roman" panose="02020603050405020304" pitchFamily="18" charset="0"/>
               </a:rPr>
-              <a:t>Try to select different options from the slicers and observe the impact on the </a:t>
-            </a:r>
-            <a:r>
-              <a:rPr lang="en-US" b="1" dirty="0" smtClean="0">
-                <a:latin typeface="Segoe UI" panose="020B0502040204020203" pitchFamily="34" charset="0"/>
-                <a:ea typeface="Calibri" panose="020F0502020204030204" pitchFamily="34" charset="0"/>
-                <a:cs typeface="Times New Roman" panose="02020603050405020304" pitchFamily="18" charset="0"/>
-              </a:rPr>
-              <a:t>Card</a:t>
-            </a:r>
-            <a:r>
-              <a:rPr lang="en-US" dirty="0" smtClean="0">
-                <a:latin typeface="Segoe UI" panose="020B0502040204020203" pitchFamily="34" charset="0"/>
-                <a:ea typeface="Calibri" panose="020F0502020204030204" pitchFamily="34" charset="0"/>
-                <a:cs typeface="Times New Roman" panose="02020603050405020304" pitchFamily="18" charset="0"/>
-              </a:rPr>
-              <a:t> visual</a:t>
+              <a:t>Try selecting different options from the slicers and observe the impact on the </a:t>
             </a:r>
             <a:endParaRPr lang="en-US" sz="1400" dirty="0">
               <a:effectLst/>
@@ -4036,11 +3988,11 @@
           <a:lstStyle/>
           <a:p>
             <a:r>
-              <a:rPr lang="en-US" sz="2400" dirty="0" smtClean="0">
+              <a:rPr lang="en" sz="2400" dirty="0" smtClean="0">
                 <a:latin typeface="Segoe UI" panose="020B0502040204020203" pitchFamily="34" charset="0"/>
                 <a:cs typeface="Segoe UI" panose="020B0502040204020203" pitchFamily="34" charset="0"/>
               </a:rPr>
-              <a:t>The Slicers</a:t>
+              <a:t>The slicers</a:t>
             </a:r>
             <a:endParaRPr lang="en-US" sz="2400" dirty="0">
               <a:latin typeface="Segoe UI" panose="020B0502040204020203" pitchFamily="34" charset="0"/>
@@ -4079,7 +4031,7 @@
               </a:spcAft>
             </a:pPr>
             <a:r>
-              <a:rPr lang="fr-FR" dirty="0">
+              <a:rPr lang="en" dirty="0">
                 <a:latin typeface="Segoe UI" panose="020B0502040204020203" pitchFamily="34" charset="0"/>
                 <a:ea typeface="Calibri" panose="020F0502020204030204" pitchFamily="34" charset="0"/>
                 <a:cs typeface="Times New Roman" panose="02020603050405020304" pitchFamily="18" charset="0"/>
@@ -4087,23 +4039,23 @@
               <a:t>Note </a:t>
             </a:r>
             <a:r>
-              <a:rPr lang="fr-FR" dirty="0" err="1">
+              <a:rPr lang="en" dirty="0" err="1">
                 <a:latin typeface="Segoe UI" panose="020B0502040204020203" pitchFamily="34" charset="0"/>
                 <a:ea typeface="Calibri" panose="020F0502020204030204" pitchFamily="34" charset="0"/>
                 <a:cs typeface="Times New Roman" panose="02020603050405020304" pitchFamily="18" charset="0"/>
               </a:rPr>
-              <a:t>that</a:t>
-            </a:r>
-            <a:r>
-              <a:rPr lang="fr-FR" dirty="0">
+              <a:t>that </a:t>
+            </a:r>
+            <a:r>
+              <a:rPr lang="en" dirty="0">
                 <a:latin typeface="Segoe UI" panose="020B0502040204020203" pitchFamily="34" charset="0"/>
                 <a:ea typeface="Calibri" panose="020F0502020204030204" pitchFamily="34" charset="0"/>
                 <a:cs typeface="Times New Roman" panose="02020603050405020304" pitchFamily="18" charset="0"/>
               </a:rPr>
-              <a:t> the last </a:t>
-            </a:r>
-            <a:r>
-              <a:rPr lang="fr-FR" dirty="0" err="1">
+              <a:t>the last </a:t>
+            </a:r>
+            <a:r>
+              <a:rPr lang="en" dirty="0" err="1">
                 <a:latin typeface="Segoe UI" panose="020B0502040204020203" pitchFamily="34" charset="0"/>
                 <a:ea typeface="Calibri" panose="020F0502020204030204" pitchFamily="34" charset="0"/>
                 <a:cs typeface="Times New Roman" panose="02020603050405020304" pitchFamily="18" charset="0"/>
@@ -4111,7 +4063,7 @@
               <a:t>field</a:t>
             </a:r>
             <a:r>
-              <a:rPr lang="fr-FR" dirty="0">
+              <a:rPr lang="en" dirty="0">
                 <a:latin typeface="Segoe UI" panose="020B0502040204020203" pitchFamily="34" charset="0"/>
                 <a:ea typeface="Calibri" panose="020F0502020204030204" pitchFamily="34" charset="0"/>
                 <a:cs typeface="Times New Roman" panose="02020603050405020304" pitchFamily="18" charset="0"/>
@@ -4119,15 +4071,15 @@
               <a:t> </a:t>
             </a:r>
             <a:r>
-              <a:rPr lang="fr-FR" dirty="0" err="1">
+              <a:rPr lang="en" dirty="0" err="1">
                 <a:latin typeface="Segoe UI" panose="020B0502040204020203" pitchFamily="34" charset="0"/>
                 <a:ea typeface="Calibri" panose="020F0502020204030204" pitchFamily="34" charset="0"/>
                 <a:cs typeface="Times New Roman" panose="02020603050405020304" pitchFamily="18" charset="0"/>
               </a:rPr>
-              <a:t>is</a:t>
-            </a:r>
-            <a:r>
-              <a:rPr lang="fr-FR" dirty="0">
+              <a:t>East</a:t>
+            </a:r>
+            <a:r>
+              <a:rPr lang="en" dirty="0">
                 <a:latin typeface="Segoe UI" panose="020B0502040204020203" pitchFamily="34" charset="0"/>
                 <a:ea typeface="Calibri" panose="020F0502020204030204" pitchFamily="34" charset="0"/>
                 <a:cs typeface="Times New Roman" panose="02020603050405020304" pitchFamily="18" charset="0"/>
@@ -4135,15 +4087,15 @@
               <a:t> </a:t>
             </a:r>
             <a:r>
-              <a:rPr lang="fr-FR" dirty="0" err="1">
+              <a:rPr lang="en" dirty="0" err="1">
                 <a:latin typeface="Segoe UI" panose="020B0502040204020203" pitchFamily="34" charset="0"/>
                 <a:ea typeface="Calibri" panose="020F0502020204030204" pitchFamily="34" charset="0"/>
                 <a:cs typeface="Times New Roman" panose="02020603050405020304" pitchFamily="18" charset="0"/>
               </a:rPr>
-              <a:t>numeric</a:t>
-            </a:r>
-            <a:r>
-              <a:rPr lang="fr-FR" dirty="0">
+              <a:t>digital </a:t>
+            </a:r>
+            <a:r>
+              <a:rPr lang="en" dirty="0">
                 <a:latin typeface="Segoe UI" panose="020B0502040204020203" pitchFamily="34" charset="0"/>
                 <a:ea typeface="Calibri" panose="020F0502020204030204" pitchFamily="34" charset="0"/>
                 <a:cs typeface="Times New Roman" panose="02020603050405020304" pitchFamily="18" charset="0"/>
@@ -4251,11 +4203,11 @@
           <a:lstStyle/>
           <a:p>
             <a:r>
-              <a:rPr lang="en-US" sz="2400" dirty="0" smtClean="0">
+              <a:rPr lang="en" sz="2400" dirty="0" smtClean="0">
                 <a:latin typeface="Segoe UI" panose="020B0502040204020203" pitchFamily="34" charset="0"/>
                 <a:cs typeface="Segoe UI" panose="020B0502040204020203" pitchFamily="34" charset="0"/>
               </a:rPr>
-              <a:t>The Slicers</a:t>
+              <a:t>The slicers</a:t>
             </a:r>
             <a:endParaRPr lang="en-US" sz="2400" dirty="0">
               <a:latin typeface="Segoe UI" panose="020B0502040204020203" pitchFamily="34" charset="0"/>
@@ -4294,15 +4246,15 @@
               </a:spcAft>
             </a:pPr>
             <a:r>
-              <a:rPr lang="en-US" dirty="0" smtClean="0">
+              <a:rPr lang="en" dirty="0" smtClean="0">
                 <a:latin typeface="Segoe UI" panose="020B0502040204020203" pitchFamily="34" charset="0"/>
                 <a:ea typeface="Calibri" panose="020F0502020204030204" pitchFamily="34" charset="0"/>
                 <a:cs typeface="Times New Roman" panose="02020603050405020304" pitchFamily="18" charset="0"/>
               </a:rPr>
-              <a:t>Change the visual behaviors of the two Slicers to </a:t>
-            </a:r>
-            <a:r>
-              <a:rPr lang="en-US" b="1" dirty="0" smtClean="0">
+              <a:t>Change the visual behaviors of both slicers to </a:t>
+            </a:r>
+            <a:r>
+              <a:rPr lang="en" b="1" dirty="0" smtClean="0">
                 <a:latin typeface="Segoe UI" panose="020B0502040204020203" pitchFamily="34" charset="0"/>
                 <a:ea typeface="Calibri" panose="020F0502020204030204" pitchFamily="34" charset="0"/>
                 <a:cs typeface="Times New Roman" panose="02020603050405020304" pitchFamily="18" charset="0"/>
@@ -4310,79 +4262,79 @@
               <a:t>Dropdown </a:t>
             </a:r>
             <a:r>
-              <a:rPr lang="en-US" dirty="0" smtClean="0">
+              <a:rPr lang="en" dirty="0" smtClean="0">
                 <a:latin typeface="Segoe UI" panose="020B0502040204020203" pitchFamily="34" charset="0"/>
                 <a:ea typeface="Calibri" panose="020F0502020204030204" pitchFamily="34" charset="0"/>
                 <a:cs typeface="Times New Roman" panose="02020603050405020304" pitchFamily="18" charset="0"/>
               </a:rPr>
-              <a:t> and </a:t>
-            </a:r>
-            <a:r>
-              <a:rPr lang="en-US" b="1" dirty="0" smtClean="0">
+              <a:t>and </a:t>
+            </a:r>
+            <a:r>
+              <a:rPr lang="en" b="1" dirty="0" smtClean="0">
                 <a:latin typeface="Segoe UI" panose="020B0502040204020203" pitchFamily="34" charset="0"/>
                 <a:ea typeface="Calibri" panose="020F0502020204030204" pitchFamily="34" charset="0"/>
                 <a:cs typeface="Times New Roman" panose="02020603050405020304" pitchFamily="18" charset="0"/>
               </a:rPr>
-              <a:t>Tile</a:t>
-            </a:r>
-            <a:r>
-              <a:rPr lang="en-US" dirty="0" smtClean="0">
+              <a:t>Tile </a:t>
+            </a:r>
+            <a:r>
+              <a:rPr lang="en" dirty="0" smtClean="0">
                 <a:latin typeface="Segoe UI" panose="020B0502040204020203" pitchFamily="34" charset="0"/>
                 <a:ea typeface="Calibri" panose="020F0502020204030204" pitchFamily="34" charset="0"/>
                 <a:cs typeface="Times New Roman" panose="02020603050405020304" pitchFamily="18" charset="0"/>
               </a:rPr>
-              <a:t> respectively for </a:t>
-            </a:r>
-            <a:r>
-              <a:rPr lang="en-US" b="1" dirty="0" err="1" smtClean="0">
+              <a:t>respectively for </a:t>
+            </a:r>
+            <a:r>
+              <a:rPr lang="en" b="1" dirty="0" err="1" smtClean="0">
                 <a:latin typeface="Segoe UI" panose="020B0502040204020203" pitchFamily="34" charset="0"/>
                 <a:ea typeface="Calibri" panose="020F0502020204030204" pitchFamily="34" charset="0"/>
                 <a:cs typeface="Times New Roman" panose="02020603050405020304" pitchFamily="18" charset="0"/>
               </a:rPr>
-              <a:t>ProductLine</a:t>
-            </a:r>
-            <a:r>
-              <a:rPr lang="en-US" dirty="0" smtClean="0">
+              <a:t>ProductLine </a:t>
+            </a:r>
+            <a:r>
+              <a:rPr lang="en" dirty="0" smtClean="0">
                 <a:latin typeface="Segoe UI" panose="020B0502040204020203" pitchFamily="34" charset="0"/>
                 <a:ea typeface="Calibri" panose="020F0502020204030204" pitchFamily="34" charset="0"/>
                 <a:cs typeface="Times New Roman" panose="02020603050405020304" pitchFamily="18" charset="0"/>
               </a:rPr>
-              <a:t> and </a:t>
-            </a:r>
-            <a:r>
-              <a:rPr lang="en-US" b="1" dirty="0" smtClean="0">
+              <a:t>and </a:t>
+            </a:r>
+            <a:r>
+              <a:rPr lang="en" b="1" dirty="0" smtClean="0">
                 <a:latin typeface="Segoe UI" panose="020B0502040204020203" pitchFamily="34" charset="0"/>
                 <a:ea typeface="Calibri" panose="020F0502020204030204" pitchFamily="34" charset="0"/>
                 <a:cs typeface="Times New Roman" panose="02020603050405020304" pitchFamily="18" charset="0"/>
               </a:rPr>
-              <a:t>Gender</a:t>
-            </a:r>
-            <a:r>
-              <a:rPr lang="en-US" dirty="0" smtClean="0">
+              <a:t>Gender </a:t>
+            </a:r>
+            <a:r>
+              <a:rPr lang="en" dirty="0" smtClean="0">
                 <a:latin typeface="Segoe UI" panose="020B0502040204020203" pitchFamily="34" charset="0"/>
                 <a:ea typeface="Calibri" panose="020F0502020204030204" pitchFamily="34" charset="0"/>
                 <a:cs typeface="Times New Roman" panose="02020603050405020304" pitchFamily="18" charset="0"/>
               </a:rPr>
-              <a:t> respectively using the </a:t>
-            </a:r>
-            <a:r>
-              <a:rPr lang="en-US" b="1" dirty="0" smtClean="0">
+              <a:t>using the </a:t>
+            </a:r>
+            <a:r>
+              <a:rPr lang="en" b="1" dirty="0" smtClean="0">
                 <a:latin typeface="Segoe UI" panose="020B0502040204020203" pitchFamily="34" charset="0"/>
                 <a:ea typeface="Calibri" panose="020F0502020204030204" pitchFamily="34" charset="0"/>
                 <a:cs typeface="Times New Roman" panose="02020603050405020304" pitchFamily="18" charset="0"/>
               </a:rPr>
-              <a:t>Format</a:t>
-            </a:r>
-            <a:r>
-              <a:rPr lang="en-US" dirty="0" smtClean="0">
+              <a:t>Format section </a:t>
+            </a:r>
+            <a:r>
+              <a:rPr lang="en" dirty="0" smtClean="0">
                 <a:latin typeface="Segoe UI" panose="020B0502040204020203" pitchFamily="34" charset="0"/>
                 <a:ea typeface="Calibri" panose="020F0502020204030204" pitchFamily="34" charset="0"/>
                 <a:cs typeface="Times New Roman" panose="02020603050405020304" pitchFamily="18" charset="0"/>
               </a:rPr>
-              <a:t> section, then </a:t>
-            </a:r>
-            <a:r>
-              <a:rPr lang="en-US" b="1" dirty="0" smtClean="0">
+              <a:t>, then </a:t>
+            </a:r>
+            <a:r>
+              <a:rPr lang="en" b="1" dirty="0" smtClean="0">
                 <a:latin typeface="Segoe UI" panose="020B0502040204020203" pitchFamily="34" charset="0"/>
                 <a:ea typeface="Calibri" panose="020F0502020204030204" pitchFamily="34" charset="0"/>
                 <a:cs typeface="Times New Roman" panose="02020603050405020304" pitchFamily="18" charset="0"/>
@@ -4475,7 +4427,7 @@
           <a:p>
             <a:pPr algn="ctr"/>
             <a:r>
-              <a:rPr lang="fr-FR" b="1" dirty="0" smtClean="0"/>
+              <a:rPr lang="en" b="1" dirty="0" smtClean="0"/>
               <a:t>1</a:t>
             </a:r>
             <a:endParaRPr lang="en-US" b="1" dirty="0"/>
@@ -4525,7 +4477,7 @@
           <a:p>
             <a:pPr algn="ctr"/>
             <a:r>
-              <a:rPr lang="fr-FR" b="1" dirty="0" smtClean="0"/>
+              <a:rPr lang="en" b="1" dirty="0" smtClean="0"/>
               <a:t>2</a:t>
             </a:r>
             <a:endParaRPr lang="en-US" b="1" dirty="0"/>
@@ -4575,7 +4527,7 @@
           <a:p>
             <a:pPr algn="ctr"/>
             <a:r>
-              <a:rPr lang="fr-FR" b="1" dirty="0" smtClean="0"/>
+              <a:rPr lang="en" b="1" dirty="0" smtClean="0"/>
               <a:t>3</a:t>
             </a:r>
             <a:endParaRPr lang="en-US" b="1" dirty="0"/>
@@ -4659,7 +4611,7 @@
           <a:p>
             <a:pPr algn="ctr"/>
             <a:r>
-              <a:rPr lang="fr-FR" b="1" dirty="0" smtClean="0"/>
+              <a:rPr lang="en" b="1" dirty="0" smtClean="0"/>
               <a:t>1</a:t>
             </a:r>
             <a:endParaRPr lang="en-US" b="1" dirty="0"/>
@@ -4709,7 +4661,7 @@
           <a:p>
             <a:pPr algn="ctr"/>
             <a:r>
-              <a:rPr lang="fr-FR" b="1" dirty="0" smtClean="0"/>
+              <a:rPr lang="en" b="1" dirty="0" smtClean="0"/>
               <a:t>2</a:t>
             </a:r>
             <a:endParaRPr lang="en-US" b="1" dirty="0"/>
@@ -4759,7 +4711,7 @@
           <a:p>
             <a:pPr algn="ctr"/>
             <a:r>
-              <a:rPr lang="fr-FR" b="1" dirty="0" smtClean="0"/>
+              <a:rPr lang="en" b="1" dirty="0" smtClean="0"/>
               <a:t>3</a:t>
             </a:r>
             <a:endParaRPr lang="en-US" b="1" dirty="0"/>
@@ -4853,11 +4805,11 @@
           <a:lstStyle/>
           <a:p>
             <a:r>
-              <a:rPr lang="en-US" sz="2400" dirty="0" smtClean="0">
+              <a:rPr lang="en" sz="2400" dirty="0" smtClean="0">
                 <a:latin typeface="Segoe UI" panose="020B0502040204020203" pitchFamily="34" charset="0"/>
                 <a:cs typeface="Segoe UI" panose="020B0502040204020203" pitchFamily="34" charset="0"/>
               </a:rPr>
-              <a:t>The Slicers</a:t>
+              <a:t>The slicers</a:t>
             </a:r>
             <a:endParaRPr lang="en-US" sz="2400" dirty="0">
               <a:latin typeface="Segoe UI" panose="020B0502040204020203" pitchFamily="34" charset="0"/>
@@ -4899,47 +4851,47 @@
               </a:tabLst>
             </a:pPr>
             <a:r>
-              <a:rPr lang="en-US" dirty="0" smtClean="0">
+              <a:rPr lang="en" dirty="0" smtClean="0">
                 <a:latin typeface="Segoe UI" panose="020B0502040204020203" pitchFamily="34" charset="0"/>
                 <a:ea typeface="Calibri" panose="020F0502020204030204" pitchFamily="34" charset="0"/>
                 <a:cs typeface="Times New Roman" panose="02020603050405020304" pitchFamily="18" charset="0"/>
               </a:rPr>
-              <a:t>Now Try to change the selection </a:t>
-            </a:r>
-            <a:r>
-              <a:rPr lang="en-US" dirty="0" err="1" smtClean="0">
+              <a:t>Now try changing the </a:t>
+            </a:r>
+            <a:r>
+              <a:rPr lang="en" dirty="0" err="1" smtClean="0">
                 <a:latin typeface="Segoe UI" panose="020B0502040204020203" pitchFamily="34" charset="0"/>
                 <a:ea typeface="Calibri" panose="020F0502020204030204" pitchFamily="34" charset="0"/>
                 <a:cs typeface="Times New Roman" panose="02020603050405020304" pitchFamily="18" charset="0"/>
               </a:rPr>
-              <a:t>behaviour</a:t>
-            </a:r>
-            <a:r>
-              <a:rPr lang="en-US" dirty="0" smtClean="0">
+              <a:t>selection behavior </a:t>
+            </a:r>
+            <a:r>
+              <a:rPr lang="en" dirty="0" smtClean="0">
                 <a:latin typeface="Segoe UI" panose="020B0502040204020203" pitchFamily="34" charset="0"/>
                 <a:ea typeface="Calibri" panose="020F0502020204030204" pitchFamily="34" charset="0"/>
                 <a:cs typeface="Times New Roman" panose="02020603050405020304" pitchFamily="18" charset="0"/>
               </a:rPr>
-              <a:t> always from </a:t>
-            </a:r>
-            <a:r>
-              <a:rPr lang="en-US" b="1" dirty="0" smtClean="0">
+              <a:t>always from the </a:t>
+            </a:r>
+            <a:r>
+              <a:rPr lang="en" b="1" dirty="0" smtClean="0">
                 <a:latin typeface="Segoe UI" panose="020B0502040204020203" pitchFamily="34" charset="0"/>
                 <a:ea typeface="Calibri" panose="020F0502020204030204" pitchFamily="34" charset="0"/>
                 <a:cs typeface="Times New Roman" panose="02020603050405020304" pitchFamily="18" charset="0"/>
               </a:rPr>
-              <a:t>Format</a:t>
-            </a:r>
-            <a:r>
-              <a:rPr lang="en-US" dirty="0" smtClean="0">
+              <a:t>Format section </a:t>
+            </a:r>
+            <a:r>
+              <a:rPr lang="en" dirty="0" smtClean="0">
                 <a:latin typeface="Segoe UI" panose="020B0502040204020203" pitchFamily="34" charset="0"/>
                 <a:ea typeface="Calibri" panose="020F0502020204030204" pitchFamily="34" charset="0"/>
                 <a:cs typeface="Times New Roman" panose="02020603050405020304" pitchFamily="18" charset="0"/>
               </a:rPr>
-              <a:t> section then </a:t>
-            </a:r>
-            <a:r>
-              <a:rPr lang="en-US" b="1" dirty="0" smtClean="0">
+              <a:t>then </a:t>
+            </a:r>
+            <a:r>
+              <a:rPr lang="en" b="1" dirty="0" smtClean="0">
                 <a:latin typeface="Segoe UI" panose="020B0502040204020203" pitchFamily="34" charset="0"/>
                 <a:ea typeface="Calibri" panose="020F0502020204030204" pitchFamily="34" charset="0"/>
                 <a:cs typeface="Times New Roman" panose="02020603050405020304" pitchFamily="18" charset="0"/>

--- a/English/6.Visuals/9.The Slicers.pptx
+++ b/English/6.Visuals/9.The Slicers.pptx
@@ -5,15 +5,19 @@
     <p:sldMasterId id="2147483648" r:id="rId1"/>
   </p:sldMasterIdLst>
   <p:notesMasterIdLst>
-    <p:notesMasterId r:id="rId8"/>
+    <p:notesMasterId r:id="rId12"/>
   </p:notesMasterIdLst>
   <p:sldIdLst>
     <p:sldId id="256" r:id="rId2"/>
     <p:sldId id="257" r:id="rId3"/>
     <p:sldId id="259" r:id="rId4"/>
-    <p:sldId id="260" r:id="rId5"/>
-    <p:sldId id="261" r:id="rId6"/>
-    <p:sldId id="258" r:id="rId7"/>
+    <p:sldId id="262" r:id="rId5"/>
+    <p:sldId id="260" r:id="rId6"/>
+    <p:sldId id="263" r:id="rId7"/>
+    <p:sldId id="264" r:id="rId8"/>
+    <p:sldId id="265" r:id="rId9"/>
+    <p:sldId id="266" r:id="rId10"/>
+    <p:sldId id="258" r:id="rId11"/>
   </p:sldIdLst>
   <p:sldSz cx="12192000" cy="6858000"/>
   <p:notesSz cx="6858000" cy="9144000"/>
@@ -202,7 +206,7 @@
           <a:p>
             <a:fld id="{056BA3B8-9F76-4D81-B71D-76CB85363062}" type="datetimeFigureOut">
               <a:rPr lang="en-US" smtClean="0"/>
-              <a:t>4/3/2025</a:t>
+              <a:t>4/6/2025</a:t>
             </a:fld>
             <a:endParaRPr lang="en-US"/>
           </a:p>
@@ -601,7 +605,7 @@
           <a:p>
             <a:fld id="{6F01DA4D-20EA-48D2-973C-0311EC3005D6}" type="datetimeFigureOut">
               <a:rPr lang="en-US" smtClean="0"/>
-              <a:t>4/3/2025</a:t>
+              <a:t>4/6/2025</a:t>
             </a:fld>
             <a:endParaRPr lang="en-US"/>
           </a:p>
@@ -771,7 +775,7 @@
           <a:p>
             <a:fld id="{6F01DA4D-20EA-48D2-973C-0311EC3005D6}" type="datetimeFigureOut">
               <a:rPr lang="en-US" smtClean="0"/>
-              <a:t>4/3/2025</a:t>
+              <a:t>4/6/2025</a:t>
             </a:fld>
             <a:endParaRPr lang="en-US"/>
           </a:p>
@@ -951,7 +955,7 @@
           <a:p>
             <a:fld id="{6F01DA4D-20EA-48D2-973C-0311EC3005D6}" type="datetimeFigureOut">
               <a:rPr lang="en-US" smtClean="0"/>
-              <a:t>4/3/2025</a:t>
+              <a:t>4/6/2025</a:t>
             </a:fld>
             <a:endParaRPr lang="en-US"/>
           </a:p>
@@ -1121,7 +1125,7 @@
           <a:p>
             <a:fld id="{6F01DA4D-20EA-48D2-973C-0311EC3005D6}" type="datetimeFigureOut">
               <a:rPr lang="en-US" smtClean="0"/>
-              <a:t>4/3/2025</a:t>
+              <a:t>4/6/2025</a:t>
             </a:fld>
             <a:endParaRPr lang="en-US"/>
           </a:p>
@@ -1367,7 +1371,7 @@
           <a:p>
             <a:fld id="{6F01DA4D-20EA-48D2-973C-0311EC3005D6}" type="datetimeFigureOut">
               <a:rPr lang="en-US" smtClean="0"/>
-              <a:t>4/3/2025</a:t>
+              <a:t>4/6/2025</a:t>
             </a:fld>
             <a:endParaRPr lang="en-US"/>
           </a:p>
@@ -1599,7 +1603,7 @@
           <a:p>
             <a:fld id="{6F01DA4D-20EA-48D2-973C-0311EC3005D6}" type="datetimeFigureOut">
               <a:rPr lang="en-US" smtClean="0"/>
-              <a:t>4/3/2025</a:t>
+              <a:t>4/6/2025</a:t>
             </a:fld>
             <a:endParaRPr lang="en-US"/>
           </a:p>
@@ -1966,7 +1970,7 @@
           <a:p>
             <a:fld id="{6F01DA4D-20EA-48D2-973C-0311EC3005D6}" type="datetimeFigureOut">
               <a:rPr lang="en-US" smtClean="0"/>
-              <a:t>4/3/2025</a:t>
+              <a:t>4/6/2025</a:t>
             </a:fld>
             <a:endParaRPr lang="en-US"/>
           </a:p>
@@ -2084,7 +2088,7 @@
           <a:p>
             <a:fld id="{6F01DA4D-20EA-48D2-973C-0311EC3005D6}" type="datetimeFigureOut">
               <a:rPr lang="en-US" smtClean="0"/>
-              <a:t>4/3/2025</a:t>
+              <a:t>4/6/2025</a:t>
             </a:fld>
             <a:endParaRPr lang="en-US"/>
           </a:p>
@@ -2179,7 +2183,7 @@
           <a:p>
             <a:fld id="{6F01DA4D-20EA-48D2-973C-0311EC3005D6}" type="datetimeFigureOut">
               <a:rPr lang="en-US" smtClean="0"/>
-              <a:t>4/3/2025</a:t>
+              <a:t>4/6/2025</a:t>
             </a:fld>
             <a:endParaRPr lang="en-US"/>
           </a:p>
@@ -2456,7 +2460,7 @@
           <a:p>
             <a:fld id="{6F01DA4D-20EA-48D2-973C-0311EC3005D6}" type="datetimeFigureOut">
               <a:rPr lang="en-US" smtClean="0"/>
-              <a:t>4/3/2025</a:t>
+              <a:t>4/6/2025</a:t>
             </a:fld>
             <a:endParaRPr lang="en-US"/>
           </a:p>
@@ -2709,7 +2713,7 @@
           <a:p>
             <a:fld id="{6F01DA4D-20EA-48D2-973C-0311EC3005D6}" type="datetimeFigureOut">
               <a:rPr lang="en-US" smtClean="0"/>
-              <a:t>4/3/2025</a:t>
+              <a:t>4/6/2025</a:t>
             </a:fld>
             <a:endParaRPr lang="en-US"/>
           </a:p>
@@ -2922,7 +2926,7 @@
           <a:p>
             <a:fld id="{6F01DA4D-20EA-48D2-973C-0311EC3005D6}" type="datetimeFigureOut">
               <a:rPr lang="en-US" smtClean="0"/>
-              <a:t>4/3/2025</a:t>
+              <a:t>4/6/2025</a:t>
             </a:fld>
             <a:endParaRPr lang="en-US"/>
           </a:p>
@@ -3460,6 +3464,171 @@
 </p:sld>
 </file>
 
+<file path=ppt/slides/slide10.xml><?xml version="1.0" encoding="utf-8"?>
+<p:sld xmlns:a="http://schemas.openxmlformats.org/drawingml/2006/main" xmlns:r="http://schemas.openxmlformats.org/officeDocument/2006/relationships" xmlns:p="http://schemas.openxmlformats.org/presentationml/2006/main">
+  <p:cSld>
+    <p:bg>
+      <p:bgPr>
+        <a:solidFill>
+          <a:srgbClr val="FFC000"/>
+        </a:solidFill>
+        <a:effectLst/>
+      </p:bgPr>
+    </p:bg>
+    <p:spTree>
+      <p:nvGrpSpPr>
+        <p:cNvPr id="1" name=""/>
+        <p:cNvGrpSpPr/>
+        <p:nvPr/>
+      </p:nvGrpSpPr>
+      <p:grpSpPr>
+        <a:xfrm>
+          <a:off x="0" y="0"/>
+          <a:ext cx="0" cy="0"/>
+          <a:chOff x="0" y="0"/>
+          <a:chExt cx="0" cy="0"/>
+        </a:xfrm>
+      </p:grpSpPr>
+      <p:sp>
+        <p:nvSpPr>
+          <p:cNvPr id="2" name="AutoShape 2" descr="Minimalistic illustration in black and white on a white background with the text 'Thank You' elegantly styled below. The design features simple, clean icons such as a handshake or a ribbon to symbolize gratitude, with a professional and modern aesthetic suitable for a presentation closing slide."/>
+          <p:cNvSpPr>
+            <a:spLocks noChangeAspect="1" noChangeArrowheads="1"/>
+          </p:cNvSpPr>
+          <p:nvPr/>
+        </p:nvSpPr>
+        <p:spPr bwMode="auto">
+          <a:xfrm>
+            <a:off x="155575" y="-144463"/>
+            <a:ext cx="304800" cy="304801"/>
+          </a:xfrm>
+          <a:prstGeom prst="rect">
+            <a:avLst/>
+          </a:prstGeom>
+          <a:noFill/>
+          <a:extLst>
+            <a:ext uri="{909E8E84-426E-40DD-AFC4-6F175D3DCCD1}">
+              <a14:hiddenFill xmlns:a14="http://schemas.microsoft.com/office/drawing/2010/main">
+                <a:solidFill>
+                  <a:srgbClr val="FFFFFF"/>
+                </a:solidFill>
+              </a14:hiddenFill>
+            </a:ext>
+          </a:extLst>
+        </p:spPr>
+        <p:txBody>
+          <a:bodyPr vert="horz" wrap="square" lIns="91440" tIns="45720" rIns="91440" bIns="45720" numCol="1" anchor="t" anchorCtr="0" compatLnSpc="1">
+            <a:prstTxWarp prst="textNoShape">
+              <a:avLst/>
+            </a:prstTxWarp>
+          </a:bodyPr>
+          <a:lstStyle/>
+          <a:p>
+            <a:endParaRPr lang="en-US"/>
+          </a:p>
+        </p:txBody>
+      </p:sp>
+      <p:sp>
+        <p:nvSpPr>
+          <p:cNvPr id="5" name="TextBox 4"/>
+          <p:cNvSpPr txBox="1"/>
+          <p:nvPr/>
+        </p:nvSpPr>
+        <p:spPr>
+          <a:xfrm>
+            <a:off x="2916199" y="2162433"/>
+            <a:ext cx="6230360" cy="1569660"/>
+          </a:xfrm>
+          <a:prstGeom prst="rect">
+            <a:avLst/>
+          </a:prstGeom>
+          <a:noFill/>
+        </p:spPr>
+        <p:txBody>
+          <a:bodyPr wrap="none" rtlCol="0">
+            <a:spAutoFit/>
+          </a:bodyPr>
+          <a:lstStyle/>
+          <a:p>
+            <a:r>
+              <a:rPr lang="en-US" sz="9600" b="1" dirty="0" smtClean="0">
+                <a:solidFill>
+                  <a:srgbClr val="7030A0"/>
+                </a:solidFill>
+                <a:latin typeface="Segoe UI" panose="020B0502040204020203" pitchFamily="34" charset="0"/>
+                <a:ea typeface="Verdana" panose="020B0604030504040204" pitchFamily="34" charset="0"/>
+                <a:cs typeface="Segoe UI" panose="020B0502040204020203" pitchFamily="34" charset="0"/>
+              </a:rPr>
+              <a:t>Thank you</a:t>
+            </a:r>
+            <a:endParaRPr lang="en-US" sz="9600" b="1" dirty="0">
+              <a:solidFill>
+                <a:srgbClr val="7030A0"/>
+              </a:solidFill>
+              <a:latin typeface="Segoe UI" panose="020B0502040204020203" pitchFamily="34" charset="0"/>
+              <a:ea typeface="Verdana" panose="020B0604030504040204" pitchFamily="34" charset="0"/>
+              <a:cs typeface="Segoe UI" panose="020B0502040204020203" pitchFamily="34" charset="0"/>
+            </a:endParaRPr>
+          </a:p>
+        </p:txBody>
+      </p:sp>
+      <p:sp>
+        <p:nvSpPr>
+          <p:cNvPr id="6" name="TextBox 5"/>
+          <p:cNvSpPr txBox="1"/>
+          <p:nvPr/>
+        </p:nvSpPr>
+        <p:spPr>
+          <a:xfrm>
+            <a:off x="2990336" y="2217861"/>
+            <a:ext cx="6230360" cy="1569660"/>
+          </a:xfrm>
+          <a:prstGeom prst="rect">
+            <a:avLst/>
+          </a:prstGeom>
+          <a:noFill/>
+        </p:spPr>
+        <p:txBody>
+          <a:bodyPr wrap="none" rtlCol="0">
+            <a:spAutoFit/>
+          </a:bodyPr>
+          <a:lstStyle/>
+          <a:p>
+            <a:r>
+              <a:rPr lang="en-US" sz="9600" b="1" dirty="0" smtClean="0">
+                <a:solidFill>
+                  <a:schemeClr val="bg1"/>
+                </a:solidFill>
+                <a:latin typeface="Segoe UI" panose="020B0502040204020203" pitchFamily="34" charset="0"/>
+                <a:ea typeface="Verdana" panose="020B0604030504040204" pitchFamily="34" charset="0"/>
+                <a:cs typeface="Segoe UI" panose="020B0502040204020203" pitchFamily="34" charset="0"/>
+              </a:rPr>
+              <a:t>Thank you</a:t>
+            </a:r>
+            <a:endParaRPr lang="en-US" sz="9600" b="1" dirty="0">
+              <a:solidFill>
+                <a:schemeClr val="bg1"/>
+              </a:solidFill>
+              <a:latin typeface="Segoe UI" panose="020B0502040204020203" pitchFamily="34" charset="0"/>
+              <a:ea typeface="Verdana" panose="020B0604030504040204" pitchFamily="34" charset="0"/>
+              <a:cs typeface="Segoe UI" panose="020B0502040204020203" pitchFamily="34" charset="0"/>
+            </a:endParaRPr>
+          </a:p>
+        </p:txBody>
+      </p:sp>
+    </p:spTree>
+    <p:extLst>
+      <p:ext uri="{BB962C8B-B14F-4D97-AF65-F5344CB8AC3E}">
+        <p14:creationId xmlns:p14="http://schemas.microsoft.com/office/powerpoint/2010/main" val="3494127604"/>
+      </p:ext>
+    </p:extLst>
+  </p:cSld>
+  <p:clrMapOvr>
+    <a:masterClrMapping/>
+  </p:clrMapOvr>
+</p:sld>
+</file>
+
 <file path=ppt/slides/slide2.xml><?xml version="1.0" encoding="utf-8"?>
 <p:sld xmlns:a="http://schemas.openxmlformats.org/drawingml/2006/main" xmlns:r="http://schemas.openxmlformats.org/officeDocument/2006/relationships" xmlns:p="http://schemas.openxmlformats.org/presentationml/2006/main">
   <p:cSld>
@@ -3521,7 +3690,7 @@
         </p:nvSpPr>
         <p:spPr>
           <a:xfrm>
-            <a:off x="323133" y="1017040"/>
+            <a:off x="323133" y="1254473"/>
             <a:ext cx="9451092" cy="373692"/>
           </a:xfrm>
           <a:prstGeom prst="rect">
@@ -3583,9 +3752,152 @@
           </a:p>
         </p:txBody>
       </p:sp>
+      <p:sp>
+        <p:nvSpPr>
+          <p:cNvPr id="11" name="Rectangle 10"/>
+          <p:cNvSpPr/>
+          <p:nvPr/>
+        </p:nvSpPr>
+        <p:spPr>
+          <a:xfrm>
+            <a:off x="323132" y="808108"/>
+            <a:ext cx="11472397" cy="388696"/>
+          </a:xfrm>
+          <a:prstGeom prst="rect">
+            <a:avLst/>
+          </a:prstGeom>
+        </p:spPr>
+        <p:txBody>
+          <a:bodyPr wrap="square">
+            <a:spAutoFit/>
+          </a:bodyPr>
+          <a:lstStyle/>
+          <a:p>
+            <a:pPr lvl="0">
+              <a:lnSpc>
+                <a:spcPct val="107000"/>
+              </a:lnSpc>
+              <a:spcBef>
+                <a:spcPts val="1200"/>
+              </a:spcBef>
+              <a:spcAft>
+                <a:spcPts val="0"/>
+              </a:spcAft>
+            </a:pPr>
+            <a:r>
+              <a:rPr lang="en" kern="0" dirty="0" smtClean="0">
+                <a:latin typeface="Segoe UI" panose="020B0502040204020203" pitchFamily="34" charset="0"/>
+                <a:ea typeface="Times New Roman" panose="02020603050405020304" pitchFamily="18" charset="0"/>
+                <a:cs typeface="Times New Roman" panose="02020603050405020304" pitchFamily="18" charset="0"/>
+              </a:rPr>
+              <a:t>This lab uses the </a:t>
+            </a:r>
+            <a:r>
+              <a:rPr lang="en" b="1" kern="0" dirty="0" smtClean="0">
+                <a:latin typeface="Segoe UI" panose="020B0502040204020203" pitchFamily="34" charset="0"/>
+                <a:ea typeface="Times New Roman" panose="02020603050405020304" pitchFamily="18" charset="0"/>
+                <a:cs typeface="Times New Roman" panose="02020603050405020304" pitchFamily="18" charset="0"/>
+              </a:rPr>
+              <a:t>Sales2019823.xls </a:t>
+            </a:r>
+            <a:r>
+              <a:rPr lang="en" kern="0" dirty="0" smtClean="0">
+                <a:latin typeface="Segoe UI" panose="020B0502040204020203" pitchFamily="34" charset="0"/>
+                <a:ea typeface="Times New Roman" panose="02020603050405020304" pitchFamily="18" charset="0"/>
+                <a:cs typeface="Times New Roman" panose="02020603050405020304" pitchFamily="18" charset="0"/>
+              </a:rPr>
+              <a:t>file of Excel sources</a:t>
+            </a:r>
+            <a:endParaRPr lang="en-US" sz="2800" kern="0" dirty="0">
+              <a:effectLst/>
+              <a:latin typeface="Segoe UI" panose="020B0502040204020203" pitchFamily="34" charset="0"/>
+              <a:ea typeface="Times New Roman" panose="02020603050405020304" pitchFamily="18" charset="0"/>
+              <a:cs typeface="Times New Roman" panose="02020603050405020304" pitchFamily="18" charset="0"/>
+            </a:endParaRPr>
+          </a:p>
+        </p:txBody>
+      </p:sp>
+      <p:sp>
+        <p:nvSpPr>
+          <p:cNvPr id="12" name="Rectangle 11"/>
+          <p:cNvSpPr/>
+          <p:nvPr/>
+        </p:nvSpPr>
+        <p:spPr>
+          <a:xfrm>
+            <a:off x="323132" y="1685834"/>
+            <a:ext cx="9451092" cy="373692"/>
+          </a:xfrm>
+          <a:prstGeom prst="rect">
+            <a:avLst/>
+          </a:prstGeom>
+        </p:spPr>
+        <p:txBody>
+          <a:bodyPr wrap="square">
+            <a:spAutoFit/>
+          </a:bodyPr>
+          <a:lstStyle/>
+          <a:p>
+            <a:pPr lvl="0">
+              <a:lnSpc>
+                <a:spcPct val="107000"/>
+              </a:lnSpc>
+              <a:spcAft>
+                <a:spcPts val="800"/>
+              </a:spcAft>
+            </a:pPr>
+            <a:r>
+              <a:rPr lang="en" dirty="0" smtClean="0">
+                <a:latin typeface="Segoe UI" panose="020B0502040204020203" pitchFamily="34" charset="0"/>
+                <a:ea typeface="Calibri" panose="020F0502020204030204" pitchFamily="34" charset="0"/>
+                <a:cs typeface="Times New Roman" panose="02020603050405020304" pitchFamily="18" charset="0"/>
+              </a:rPr>
+              <a:t>Add two </a:t>
+            </a:r>
+            <a:r>
+              <a:rPr lang="en" b="1" dirty="0" smtClean="0">
+                <a:latin typeface="Segoe UI" panose="020B0502040204020203" pitchFamily="34" charset="0"/>
+                <a:ea typeface="Calibri" panose="020F0502020204030204" pitchFamily="34" charset="0"/>
+                <a:cs typeface="Times New Roman" panose="02020603050405020304" pitchFamily="18" charset="0"/>
+              </a:rPr>
+              <a:t>Card</a:t>
+            </a:r>
+            <a:r>
+              <a:rPr lang="en" b="1" dirty="0" smtClean="0">
+                <a:latin typeface="Segoe UI" panose="020B0502040204020203" pitchFamily="34" charset="0"/>
+                <a:ea typeface="Calibri" panose="020F0502020204030204" pitchFamily="34" charset="0"/>
+                <a:cs typeface="Times New Roman" panose="02020603050405020304" pitchFamily="18" charset="0"/>
+              </a:rPr>
+              <a:t> visualization </a:t>
+            </a:r>
+            <a:r>
+              <a:rPr lang="en" dirty="0" smtClean="0">
+                <a:latin typeface="Segoe UI" panose="020B0502040204020203" pitchFamily="34" charset="0"/>
+                <a:ea typeface="Calibri" panose="020F0502020204030204" pitchFamily="34" charset="0"/>
+                <a:cs typeface="Times New Roman" panose="02020603050405020304" pitchFamily="18" charset="0"/>
+              </a:rPr>
+              <a:t>to the </a:t>
+            </a:r>
+            <a:r>
+              <a:rPr lang="en" dirty="0" smtClean="0">
+                <a:latin typeface="Segoe UI" panose="020B0502040204020203" pitchFamily="34" charset="0"/>
+                <a:ea typeface="Calibri" panose="020F0502020204030204" pitchFamily="34" charset="0"/>
+                <a:cs typeface="Times New Roman" panose="02020603050405020304" pitchFamily="18" charset="0"/>
+              </a:rPr>
+              <a:t>scene</a:t>
+            </a:r>
+            <a:endParaRPr lang="en-US" sz="1400" dirty="0">
+              <a:effectLst/>
+              <a:latin typeface="Calibri" panose="020F0502020204030204" pitchFamily="34" charset="0"/>
+              <a:ea typeface="Calibri" panose="020F0502020204030204" pitchFamily="34" charset="0"/>
+              <a:cs typeface="Times New Roman" panose="02020603050405020304" pitchFamily="18" charset="0"/>
+            </a:endParaRPr>
+          </a:p>
+        </p:txBody>
+      </p:sp>
       <p:pic>
         <p:nvPicPr>
-          <p:cNvPr id="3" name="Picture 2"/>
+          <p:cNvPr id="5" name="Picture 4"/>
           <p:cNvPicPr>
             <a:picLocks noChangeAspect="1"/>
           </p:cNvPicPr>
@@ -3599,342 +3911,14 @@
         </p:blipFill>
         <p:spPr>
           <a:xfrm>
-            <a:off x="433929" y="3411722"/>
-            <a:ext cx="7611537" cy="2781688"/>
+            <a:off x="1193892" y="2392475"/>
+            <a:ext cx="9116697" cy="2829320"/>
           </a:xfrm>
           <a:prstGeom prst="rect">
             <a:avLst/>
           </a:prstGeom>
         </p:spPr>
       </p:pic>
-      <p:sp>
-        <p:nvSpPr>
-          <p:cNvPr id="7" name="Rectangle 6"/>
-          <p:cNvSpPr/>
-          <p:nvPr/>
-        </p:nvSpPr>
-        <p:spPr>
-          <a:xfrm>
-            <a:off x="269278" y="2264381"/>
-            <a:ext cx="9451092" cy="373692"/>
-          </a:xfrm>
-          <a:prstGeom prst="rect">
-            <a:avLst/>
-          </a:prstGeom>
-        </p:spPr>
-        <p:txBody>
-          <a:bodyPr wrap="square">
-            <a:spAutoFit/>
-          </a:bodyPr>
-          <a:lstStyle/>
-          <a:p>
-            <a:pPr lvl="0">
-              <a:lnSpc>
-                <a:spcPct val="107000"/>
-              </a:lnSpc>
-              <a:spcAft>
-                <a:spcPts val="800"/>
-              </a:spcAft>
-            </a:pPr>
-            <a:r>
-              <a:rPr lang="en" dirty="0" smtClean="0">
-                <a:latin typeface="Segoe UI" panose="020B0502040204020203" pitchFamily="34" charset="0"/>
-                <a:ea typeface="Calibri" panose="020F0502020204030204" pitchFamily="34" charset="0"/>
-                <a:cs typeface="Times New Roman" panose="02020603050405020304" pitchFamily="18" charset="0"/>
-              </a:rPr>
-              <a:t>Configure the </a:t>
-            </a:r>
-            <a:r>
-              <a:rPr lang="en" b="1" dirty="0" smtClean="0">
-                <a:latin typeface="Segoe UI" panose="020B0502040204020203" pitchFamily="34" charset="0"/>
-                <a:ea typeface="Calibri" panose="020F0502020204030204" pitchFamily="34" charset="0"/>
-                <a:cs typeface="Times New Roman" panose="02020603050405020304" pitchFamily="18" charset="0"/>
-              </a:rPr>
-              <a:t>map visual </a:t>
-            </a:r>
-            <a:r>
-              <a:rPr lang="en" dirty="0" smtClean="0">
-                <a:latin typeface="Segoe UI" panose="020B0502040204020203" pitchFamily="34" charset="0"/>
-                <a:ea typeface="Calibri" panose="020F0502020204030204" pitchFamily="34" charset="0"/>
-                <a:cs typeface="Times New Roman" panose="02020603050405020304" pitchFamily="18" charset="0"/>
-              </a:rPr>
-              <a:t>to display </a:t>
-            </a:r>
-            <a:r>
-              <a:rPr lang="en" b="1" dirty="0" smtClean="0">
-                <a:latin typeface="Segoe UI" panose="020B0502040204020203" pitchFamily="34" charset="0"/>
-                <a:ea typeface="Calibri" panose="020F0502020204030204" pitchFamily="34" charset="0"/>
-                <a:cs typeface="Times New Roman" panose="02020603050405020304" pitchFamily="18" charset="0"/>
-              </a:rPr>
-              <a:t>the sales amount </a:t>
-            </a:r>
-            <a:r>
-              <a:rPr lang="en" dirty="0" smtClean="0">
-                <a:latin typeface="Segoe UI" panose="020B0502040204020203" pitchFamily="34" charset="0"/>
-                <a:ea typeface="Calibri" panose="020F0502020204030204" pitchFamily="34" charset="0"/>
-                <a:cs typeface="Times New Roman" panose="02020603050405020304" pitchFamily="18" charset="0"/>
-              </a:rPr>
-              <a:t>from </a:t>
-            </a:r>
-            <a:r>
-              <a:rPr lang="en" b="1" dirty="0" err="1" smtClean="0">
-                <a:latin typeface="Segoe UI" panose="020B0502040204020203" pitchFamily="34" charset="0"/>
-                <a:ea typeface="Calibri" panose="020F0502020204030204" pitchFamily="34" charset="0"/>
-                <a:cs typeface="Times New Roman" panose="02020603050405020304" pitchFamily="18" charset="0"/>
-              </a:rPr>
-              <a:t>FactInternetSales</a:t>
-            </a:r>
-            <a:r>
-              <a:rPr lang="en" b="1" dirty="0" smtClean="0">
-                <a:latin typeface="Segoe UI" panose="020B0502040204020203" pitchFamily="34" charset="0"/>
-                <a:ea typeface="Calibri" panose="020F0502020204030204" pitchFamily="34" charset="0"/>
-                <a:cs typeface="Times New Roman" panose="02020603050405020304" pitchFamily="18" charset="0"/>
-              </a:rPr>
-              <a:t> </a:t>
-            </a:r>
-            <a:r>
-              <a:rPr lang="en" dirty="0" smtClean="0">
-                <a:latin typeface="Segoe UI" panose="020B0502040204020203" pitchFamily="34" charset="0"/>
-                <a:ea typeface="Calibri" panose="020F0502020204030204" pitchFamily="34" charset="0"/>
-                <a:cs typeface="Times New Roman" panose="02020603050405020304" pitchFamily="18" charset="0"/>
-              </a:rPr>
-              <a:t>painting </a:t>
-            </a:r>
-            <a:r>
-              <a:rPr lang="en" b="1" dirty="0" smtClean="0">
-                <a:latin typeface="Segoe UI" panose="020B0502040204020203" pitchFamily="34" charset="0"/>
-                <a:ea typeface="Calibri" panose="020F0502020204030204" pitchFamily="34" charset="0"/>
-                <a:cs typeface="Times New Roman" panose="02020603050405020304" pitchFamily="18" charset="0"/>
-              </a:rPr>
-              <a:t>  </a:t>
-            </a:r>
-            <a:endParaRPr lang="en-US" sz="1400" dirty="0">
-              <a:effectLst/>
-              <a:latin typeface="Calibri" panose="020F0502020204030204" pitchFamily="34" charset="0"/>
-              <a:ea typeface="Calibri" panose="020F0502020204030204" pitchFamily="34" charset="0"/>
-              <a:cs typeface="Times New Roman" panose="02020603050405020304" pitchFamily="18" charset="0"/>
-            </a:endParaRPr>
-          </a:p>
-        </p:txBody>
-      </p:sp>
-      <p:sp>
-        <p:nvSpPr>
-          <p:cNvPr id="8" name="Rectangle 7"/>
-          <p:cNvSpPr/>
-          <p:nvPr/>
-        </p:nvSpPr>
-        <p:spPr>
-          <a:xfrm>
-            <a:off x="323133" y="1427819"/>
-            <a:ext cx="9451092" cy="373692"/>
-          </a:xfrm>
-          <a:prstGeom prst="rect">
-            <a:avLst/>
-          </a:prstGeom>
-        </p:spPr>
-        <p:txBody>
-          <a:bodyPr wrap="square">
-            <a:spAutoFit/>
-          </a:bodyPr>
-          <a:lstStyle/>
-          <a:p>
-            <a:pPr lvl="0">
-              <a:lnSpc>
-                <a:spcPct val="107000"/>
-              </a:lnSpc>
-              <a:spcAft>
-                <a:spcPts val="800"/>
-              </a:spcAft>
-            </a:pPr>
-            <a:r>
-              <a:rPr lang="en" dirty="0" smtClean="0">
-                <a:latin typeface="Segoe UI" panose="020B0502040204020203" pitchFamily="34" charset="0"/>
-                <a:ea typeface="Calibri" panose="020F0502020204030204" pitchFamily="34" charset="0"/>
-                <a:cs typeface="Times New Roman" panose="02020603050405020304" pitchFamily="18" charset="0"/>
-              </a:rPr>
-              <a:t>Configure the first slicer to display </a:t>
-            </a:r>
-            <a:r>
-              <a:rPr lang="en" b="1" dirty="0" err="1" smtClean="0">
-                <a:latin typeface="Segoe UI" panose="020B0502040204020203" pitchFamily="34" charset="0"/>
-                <a:ea typeface="Calibri" panose="020F0502020204030204" pitchFamily="34" charset="0"/>
-                <a:cs typeface="Times New Roman" panose="02020603050405020304" pitchFamily="18" charset="0"/>
-              </a:rPr>
-              <a:t>ProductLine</a:t>
-            </a:r>
-            <a:r>
-              <a:rPr lang="en" dirty="0" smtClean="0">
-                <a:latin typeface="Segoe UI" panose="020B0502040204020203" pitchFamily="34" charset="0"/>
-                <a:ea typeface="Calibri" panose="020F0502020204030204" pitchFamily="34" charset="0"/>
-                <a:cs typeface="Times New Roman" panose="02020603050405020304" pitchFamily="18" charset="0"/>
-              </a:rPr>
-              <a:t> </a:t>
-            </a:r>
-            <a:r>
-              <a:rPr lang="en" dirty="0" err="1" smtClean="0">
-                <a:latin typeface="Segoe UI" panose="020B0502040204020203" pitchFamily="34" charset="0"/>
-                <a:ea typeface="Calibri" panose="020F0502020204030204" pitchFamily="34" charset="0"/>
-                <a:cs typeface="Times New Roman" panose="02020603050405020304" pitchFamily="18" charset="0"/>
-              </a:rPr>
-              <a:t>from the </a:t>
-            </a:r>
-            <a:r>
-              <a:rPr lang="en" b="1" dirty="0" err="1" smtClean="0">
-                <a:latin typeface="Segoe UI" panose="020B0502040204020203" pitchFamily="34" charset="0"/>
-                <a:ea typeface="Calibri" panose="020F0502020204030204" pitchFamily="34" charset="0"/>
-                <a:cs typeface="Times New Roman" panose="02020603050405020304" pitchFamily="18" charset="0"/>
-              </a:rPr>
-              <a:t>DimProduct </a:t>
-            </a:r>
-            <a:r>
-              <a:rPr lang="en" dirty="0" smtClean="0">
-                <a:latin typeface="Segoe UI" panose="020B0502040204020203" pitchFamily="34" charset="0"/>
-                <a:ea typeface="Calibri" panose="020F0502020204030204" pitchFamily="34" charset="0"/>
-                <a:cs typeface="Times New Roman" panose="02020603050405020304" pitchFamily="18" charset="0"/>
-              </a:rPr>
-              <a:t>table</a:t>
-            </a:r>
-            <a:endParaRPr lang="en-US" sz="1400" dirty="0">
-              <a:effectLst/>
-              <a:latin typeface="Calibri" panose="020F0502020204030204" pitchFamily="34" charset="0"/>
-              <a:ea typeface="Calibri" panose="020F0502020204030204" pitchFamily="34" charset="0"/>
-              <a:cs typeface="Times New Roman" panose="02020603050405020304" pitchFamily="18" charset="0"/>
-            </a:endParaRPr>
-          </a:p>
-        </p:txBody>
-      </p:sp>
-      <p:sp>
-        <p:nvSpPr>
-          <p:cNvPr id="9" name="Rectangle 8"/>
-          <p:cNvSpPr/>
-          <p:nvPr/>
-        </p:nvSpPr>
-        <p:spPr>
-          <a:xfrm>
-            <a:off x="269278" y="1838598"/>
-            <a:ext cx="9451092" cy="388696"/>
-          </a:xfrm>
-          <a:prstGeom prst="rect">
-            <a:avLst/>
-          </a:prstGeom>
-        </p:spPr>
-        <p:txBody>
-          <a:bodyPr wrap="square">
-            <a:spAutoFit/>
-          </a:bodyPr>
-          <a:lstStyle/>
-          <a:p>
-            <a:pPr lvl="0">
-              <a:lnSpc>
-                <a:spcPct val="107000"/>
-              </a:lnSpc>
-              <a:spcAft>
-                <a:spcPts val="800"/>
-              </a:spcAft>
-            </a:pPr>
-            <a:r>
-              <a:rPr lang="en" dirty="0" smtClean="0">
-                <a:latin typeface="Segoe UI" panose="020B0502040204020203" pitchFamily="34" charset="0"/>
-                <a:ea typeface="Calibri" panose="020F0502020204030204" pitchFamily="34" charset="0"/>
-                <a:cs typeface="Times New Roman" panose="02020603050405020304" pitchFamily="18" charset="0"/>
-              </a:rPr>
-              <a:t>Configure the second slicer to display </a:t>
-            </a:r>
-            <a:r>
-              <a:rPr lang="en" b="1" dirty="0" err="1" smtClean="0">
-                <a:latin typeface="Segoe UI" panose="020B0502040204020203" pitchFamily="34" charset="0"/>
-                <a:ea typeface="Calibri" panose="020F0502020204030204" pitchFamily="34" charset="0"/>
-                <a:cs typeface="Times New Roman" panose="02020603050405020304" pitchFamily="18" charset="0"/>
-              </a:rPr>
-              <a:t>gender</a:t>
-            </a:r>
-            <a:r>
-              <a:rPr lang="en" dirty="0" smtClean="0">
-                <a:latin typeface="Segoe UI" panose="020B0502040204020203" pitchFamily="34" charset="0"/>
-                <a:ea typeface="Calibri" panose="020F0502020204030204" pitchFamily="34" charset="0"/>
-                <a:cs typeface="Times New Roman" panose="02020603050405020304" pitchFamily="18" charset="0"/>
-              </a:rPr>
-              <a:t> </a:t>
-            </a:r>
-            <a:r>
-              <a:rPr lang="en" dirty="0" err="1" smtClean="0">
-                <a:latin typeface="Segoe UI" panose="020B0502040204020203" pitchFamily="34" charset="0"/>
-                <a:ea typeface="Calibri" panose="020F0502020204030204" pitchFamily="34" charset="0"/>
-                <a:cs typeface="Times New Roman" panose="02020603050405020304" pitchFamily="18" charset="0"/>
-              </a:rPr>
-              <a:t>from the </a:t>
-            </a:r>
-            <a:r>
-              <a:rPr lang="en" b="1" dirty="0" err="1" smtClean="0">
-                <a:latin typeface="Segoe UI" panose="020B0502040204020203" pitchFamily="34" charset="0"/>
-                <a:ea typeface="Calibri" panose="020F0502020204030204" pitchFamily="34" charset="0"/>
-                <a:cs typeface="Times New Roman" panose="02020603050405020304" pitchFamily="18" charset="0"/>
-              </a:rPr>
-              <a:t>DimCustomer </a:t>
-            </a:r>
-            <a:r>
-              <a:rPr lang="en" dirty="0" smtClean="0">
-                <a:latin typeface="Segoe UI" panose="020B0502040204020203" pitchFamily="34" charset="0"/>
-                <a:ea typeface="Calibri" panose="020F0502020204030204" pitchFamily="34" charset="0"/>
-                <a:cs typeface="Times New Roman" panose="02020603050405020304" pitchFamily="18" charset="0"/>
-              </a:rPr>
-              <a:t>table</a:t>
-            </a:r>
-            <a:endParaRPr lang="en-US" sz="1400" dirty="0">
-              <a:effectLst/>
-              <a:latin typeface="Calibri" panose="020F0502020204030204" pitchFamily="34" charset="0"/>
-              <a:ea typeface="Calibri" panose="020F0502020204030204" pitchFamily="34" charset="0"/>
-              <a:cs typeface="Times New Roman" panose="02020603050405020304" pitchFamily="18" charset="0"/>
-            </a:endParaRPr>
-          </a:p>
-        </p:txBody>
-      </p:sp>
-      <p:sp>
-        <p:nvSpPr>
-          <p:cNvPr id="10" name="Rectangle 9"/>
-          <p:cNvSpPr/>
-          <p:nvPr/>
-        </p:nvSpPr>
-        <p:spPr>
-          <a:xfrm>
-            <a:off x="269278" y="2799093"/>
-            <a:ext cx="9451092" cy="373692"/>
-          </a:xfrm>
-          <a:prstGeom prst="rect">
-            <a:avLst/>
-          </a:prstGeom>
-        </p:spPr>
-        <p:txBody>
-          <a:bodyPr wrap="square">
-            <a:spAutoFit/>
-          </a:bodyPr>
-          <a:lstStyle/>
-          <a:p>
-            <a:pPr lvl="0">
-              <a:lnSpc>
-                <a:spcPct val="107000"/>
-              </a:lnSpc>
-              <a:spcAft>
-                <a:spcPts val="800"/>
-              </a:spcAft>
-            </a:pPr>
-            <a:r>
-              <a:rPr lang="en" dirty="0" smtClean="0">
-                <a:latin typeface="Segoe UI" panose="020B0502040204020203" pitchFamily="34" charset="0"/>
-                <a:ea typeface="Calibri" panose="020F0502020204030204" pitchFamily="34" charset="0"/>
-                <a:cs typeface="Times New Roman" panose="02020603050405020304" pitchFamily="18" charset="0"/>
-              </a:rPr>
-              <a:t>Try selecting different options from the slicers and observe the impact on the </a:t>
-            </a:r>
-            <a:endParaRPr lang="en-US" sz="1400" dirty="0">
-              <a:effectLst/>
-              <a:latin typeface="Calibri" panose="020F0502020204030204" pitchFamily="34" charset="0"/>
-              <a:ea typeface="Calibri" panose="020F0502020204030204" pitchFamily="34" charset="0"/>
-              <a:cs typeface="Times New Roman" panose="02020603050405020304" pitchFamily="18" charset="0"/>
-            </a:endParaRPr>
-          </a:p>
-        </p:txBody>
-      </p:sp>
     </p:spTree>
     <p:extLst>
       <p:ext uri="{BB962C8B-B14F-4D97-AF65-F5344CB8AC3E}">
@@ -4010,7 +3994,7 @@
         <p:spPr>
           <a:xfrm>
             <a:off x="323133" y="787086"/>
-            <a:ext cx="3613297" cy="373692"/>
+            <a:ext cx="5735288" cy="388696"/>
           </a:xfrm>
           <a:prstGeom prst="rect">
             <a:avLst/>
@@ -4031,78 +4015,38 @@
               </a:spcAft>
             </a:pPr>
             <a:r>
-              <a:rPr lang="en" dirty="0">
+              <a:rPr lang="en" dirty="0" smtClean="0">
                 <a:latin typeface="Segoe UI" panose="020B0502040204020203" pitchFamily="34" charset="0"/>
                 <a:ea typeface="Calibri" panose="020F0502020204030204" pitchFamily="34" charset="0"/>
                 <a:cs typeface="Times New Roman" panose="02020603050405020304" pitchFamily="18" charset="0"/>
               </a:rPr>
-              <a:t>Note </a:t>
-            </a:r>
-            <a:r>
-              <a:rPr lang="en" dirty="0" err="1">
+              <a:t>Configure the first slicer to display </a:t>
+            </a:r>
+            <a:r>
+              <a:rPr lang="en" b="1" dirty="0" smtClean="0">
                 <a:latin typeface="Segoe UI" panose="020B0502040204020203" pitchFamily="34" charset="0"/>
                 <a:ea typeface="Calibri" panose="020F0502020204030204" pitchFamily="34" charset="0"/>
                 <a:cs typeface="Times New Roman" panose="02020603050405020304" pitchFamily="18" charset="0"/>
               </a:rPr>
-              <a:t>that </a:t>
-            </a:r>
-            <a:r>
-              <a:rPr lang="en" dirty="0">
+              <a:t>Year</a:t>
+            </a:r>
+            <a:r>
+              <a:rPr lang="en" dirty="0" smtClean="0">
                 <a:latin typeface="Segoe UI" panose="020B0502040204020203" pitchFamily="34" charset="0"/>
                 <a:ea typeface="Calibri" panose="020F0502020204030204" pitchFamily="34" charset="0"/>
                 <a:cs typeface="Times New Roman" panose="02020603050405020304" pitchFamily="18" charset="0"/>
               </a:rPr>
-              <a:t>the last </a:t>
-            </a:r>
-            <a:r>
-              <a:rPr lang="en" dirty="0" err="1">
+              <a:t> from </a:t>
+            </a:r>
+            <a:r>
+              <a:rPr lang="en" b="1" dirty="0" smtClean="0">
                 <a:latin typeface="Segoe UI" panose="020B0502040204020203" pitchFamily="34" charset="0"/>
                 <a:ea typeface="Calibri" panose="020F0502020204030204" pitchFamily="34" charset="0"/>
                 <a:cs typeface="Times New Roman" panose="02020603050405020304" pitchFamily="18" charset="0"/>
               </a:rPr>
-              <a:t>field</a:t>
-            </a:r>
-            <a:r>
-              <a:rPr lang="en" dirty="0">
-                <a:latin typeface="Segoe UI" panose="020B0502040204020203" pitchFamily="34" charset="0"/>
-                <a:ea typeface="Calibri" panose="020F0502020204030204" pitchFamily="34" charset="0"/>
-                <a:cs typeface="Times New Roman" panose="02020603050405020304" pitchFamily="18" charset="0"/>
-              </a:rPr>
-              <a:t> </a:t>
-            </a:r>
-            <a:r>
-              <a:rPr lang="en" dirty="0" err="1">
-                <a:latin typeface="Segoe UI" panose="020B0502040204020203" pitchFamily="34" charset="0"/>
-                <a:ea typeface="Calibri" panose="020F0502020204030204" pitchFamily="34" charset="0"/>
-                <a:cs typeface="Times New Roman" panose="02020603050405020304" pitchFamily="18" charset="0"/>
-              </a:rPr>
-              <a:t>East</a:t>
-            </a:r>
-            <a:r>
-              <a:rPr lang="en" dirty="0">
-                <a:latin typeface="Segoe UI" panose="020B0502040204020203" pitchFamily="34" charset="0"/>
-                <a:ea typeface="Calibri" panose="020F0502020204030204" pitchFamily="34" charset="0"/>
-                <a:cs typeface="Times New Roman" panose="02020603050405020304" pitchFamily="18" charset="0"/>
-              </a:rPr>
-              <a:t> </a:t>
-            </a:r>
-            <a:r>
-              <a:rPr lang="en" dirty="0" err="1">
-                <a:latin typeface="Segoe UI" panose="020B0502040204020203" pitchFamily="34" charset="0"/>
-                <a:ea typeface="Calibri" panose="020F0502020204030204" pitchFamily="34" charset="0"/>
-                <a:cs typeface="Times New Roman" panose="02020603050405020304" pitchFamily="18" charset="0"/>
-              </a:rPr>
-              <a:t>digital </a:t>
-            </a:r>
-            <a:r>
-              <a:rPr lang="en" dirty="0">
-                <a:latin typeface="Segoe UI" panose="020B0502040204020203" pitchFamily="34" charset="0"/>
-                <a:ea typeface="Calibri" panose="020F0502020204030204" pitchFamily="34" charset="0"/>
-                <a:cs typeface="Times New Roman" panose="02020603050405020304" pitchFamily="18" charset="0"/>
-              </a:rPr>
-              <a:t>.</a:t>
-            </a:r>
-            <a:endParaRPr lang="en-US" sz="1400" dirty="0">
+              <a:t>DimDate</a:t>
+            </a:r>
+            <a:endParaRPr lang="en-US" sz="1400" b="1" dirty="0">
               <a:effectLst/>
               <a:latin typeface="Calibri" panose="020F0502020204030204" pitchFamily="34" charset="0"/>
               <a:ea typeface="Calibri" panose="020F0502020204030204" pitchFamily="34" charset="0"/>
@@ -4113,41 +4057,294 @@
       </p:sp>
       <p:pic>
         <p:nvPicPr>
-          <p:cNvPr id="10" name="Picture 9"/>
-          <p:cNvPicPr/>
+          <p:cNvPr id="3" name="Picture 2"/>
+          <p:cNvPicPr>
+            <a:picLocks noChangeAspect="1"/>
+          </p:cNvPicPr>
           <p:nvPr/>
         </p:nvPicPr>
         <p:blipFill>
-          <a:blip r:embed="rId2">
-            <a:extLst>
-              <a:ext uri="{28A0092B-C50C-407E-A947-70E740481C1C}">
-                <a14:useLocalDpi xmlns:a14="http://schemas.microsoft.com/office/drawing/2010/main" val="0"/>
-              </a:ext>
-            </a:extLst>
-          </a:blip>
-          <a:srcRect/>
+          <a:blip r:embed="rId2"/>
           <a:stretch>
             <a:fillRect/>
           </a:stretch>
         </p:blipFill>
-        <p:spPr bwMode="auto">
-          <a:xfrm>
-            <a:off x="410148" y="1455821"/>
-            <a:ext cx="4086225" cy="4176395"/>
+        <p:spPr>
+          <a:xfrm>
+            <a:off x="588704" y="1409495"/>
+            <a:ext cx="2715004" cy="876422"/>
           </a:xfrm>
           <a:prstGeom prst="rect">
             <a:avLst/>
           </a:prstGeom>
+        </p:spPr>
+      </p:pic>
+      <p:pic>
+        <p:nvPicPr>
+          <p:cNvPr id="4" name="Picture 3"/>
+          <p:cNvPicPr>
+            <a:picLocks noChangeAspect="1"/>
+          </p:cNvPicPr>
+          <p:nvPr/>
+        </p:nvPicPr>
+        <p:blipFill>
+          <a:blip r:embed="rId3"/>
+          <a:stretch>
+            <a:fillRect/>
+          </a:stretch>
+        </p:blipFill>
+        <p:spPr>
+          <a:xfrm>
+            <a:off x="3695442" y="1409495"/>
+            <a:ext cx="2052215" cy="787478"/>
+          </a:xfrm>
+          <a:prstGeom prst="rect">
+            <a:avLst/>
+          </a:prstGeom>
+        </p:spPr>
+      </p:pic>
+      <p:sp>
+        <p:nvSpPr>
+          <p:cNvPr id="8" name="Rectangle 7"/>
+          <p:cNvSpPr/>
+          <p:nvPr/>
+        </p:nvSpPr>
+        <p:spPr>
+          <a:xfrm>
+            <a:off x="323133" y="2519630"/>
+            <a:ext cx="4883068" cy="388696"/>
+          </a:xfrm>
+          <a:prstGeom prst="rect">
+            <a:avLst/>
+          </a:prstGeom>
+        </p:spPr>
+        <p:txBody>
+          <a:bodyPr wrap="none">
+            <a:spAutoFit/>
+          </a:bodyPr>
+          <a:lstStyle/>
+          <a:p>
+            <a:pPr lvl="0">
+              <a:lnSpc>
+                <a:spcPct val="107000"/>
+              </a:lnSpc>
+              <a:spcAft>
+                <a:spcPts val="800"/>
+              </a:spcAft>
+            </a:pPr>
+            <a:r>
+              <a:rPr lang="en" dirty="0" smtClean="0">
+                <a:latin typeface="Segoe UI" panose="020B0502040204020203" pitchFamily="34" charset="0"/>
+                <a:ea typeface="Calibri" panose="020F0502020204030204" pitchFamily="34" charset="0"/>
+                <a:cs typeface="Times New Roman" panose="02020603050405020304" pitchFamily="18" charset="0"/>
+              </a:rPr>
+              <a:t>Change the slicer appearance to be dropdown</a:t>
+            </a:r>
+            <a:endParaRPr lang="en-US" sz="1400" b="1" dirty="0">
+              <a:effectLst/>
+              <a:latin typeface="Calibri" panose="020F0502020204030204" pitchFamily="34" charset="0"/>
+              <a:ea typeface="Calibri" panose="020F0502020204030204" pitchFamily="34" charset="0"/>
+              <a:cs typeface="Times New Roman" panose="02020603050405020304" pitchFamily="18" charset="0"/>
+            </a:endParaRPr>
+          </a:p>
+        </p:txBody>
+      </p:sp>
+      <p:pic>
+        <p:nvPicPr>
+          <p:cNvPr id="6" name="Picture 5"/>
+          <p:cNvPicPr>
+            <a:picLocks noChangeAspect="1"/>
+          </p:cNvPicPr>
+          <p:nvPr/>
+        </p:nvPicPr>
+        <p:blipFill>
+          <a:blip r:embed="rId4"/>
+          <a:stretch>
+            <a:fillRect/>
+          </a:stretch>
+        </p:blipFill>
+        <p:spPr>
+          <a:xfrm>
+            <a:off x="515918" y="2908326"/>
+            <a:ext cx="1574794" cy="3854966"/>
+          </a:xfrm>
+          <a:prstGeom prst="rect">
+            <a:avLst/>
+          </a:prstGeom>
+        </p:spPr>
+      </p:pic>
+      <p:sp>
+        <p:nvSpPr>
+          <p:cNvPr id="11" name="Oval 10"/>
+          <p:cNvSpPr/>
+          <p:nvPr/>
+        </p:nvSpPr>
+        <p:spPr>
+          <a:xfrm>
+            <a:off x="1303315" y="2790971"/>
+            <a:ext cx="440013" cy="440012"/>
+          </a:xfrm>
+          <a:prstGeom prst="ellipse">
+            <a:avLst/>
+          </a:prstGeom>
+          <a:solidFill>
+            <a:srgbClr val="FF0000"/>
+          </a:solidFill>
           <a:ln>
             <a:noFill/>
           </a:ln>
-          <a:effectLst>
-            <a:outerShdw blurRad="292100" dist="139700" dir="2700000" algn="tl" rotWithShape="0">
-              <a:srgbClr val="333333">
-                <a:alpha val="65000"/>
-              </a:srgbClr>
-            </a:outerShdw>
-          </a:effectLst>
+        </p:spPr>
+        <p:style>
+          <a:lnRef idx="2">
+            <a:schemeClr val="accent1">
+              <a:shade val="50000"/>
+            </a:schemeClr>
+          </a:lnRef>
+          <a:fillRef idx="1">
+            <a:schemeClr val="accent1"/>
+          </a:fillRef>
+          <a:effectRef idx="0">
+            <a:schemeClr val="accent1"/>
+          </a:effectRef>
+          <a:fontRef idx="minor">
+            <a:schemeClr val="lt1"/>
+          </a:fontRef>
+        </p:style>
+        <p:txBody>
+          <a:bodyPr rtlCol="0" anchor="ctr"/>
+          <a:lstStyle/>
+          <a:p>
+            <a:pPr algn="ctr"/>
+            <a:r>
+              <a:rPr lang="en" b="1" dirty="0" smtClean="0"/>
+              <a:t>1</a:t>
+            </a:r>
+            <a:endParaRPr lang="en-US" b="1" dirty="0"/>
+          </a:p>
+        </p:txBody>
+      </p:sp>
+      <p:sp>
+        <p:nvSpPr>
+          <p:cNvPr id="12" name="Oval 11"/>
+          <p:cNvSpPr/>
+          <p:nvPr/>
+        </p:nvSpPr>
+        <p:spPr>
+          <a:xfrm>
+            <a:off x="1303315" y="4175791"/>
+            <a:ext cx="440013" cy="440012"/>
+          </a:xfrm>
+          <a:prstGeom prst="ellipse">
+            <a:avLst/>
+          </a:prstGeom>
+          <a:solidFill>
+            <a:srgbClr val="FF0000"/>
+          </a:solidFill>
+          <a:ln>
+            <a:noFill/>
+          </a:ln>
+        </p:spPr>
+        <p:style>
+          <a:lnRef idx="2">
+            <a:schemeClr val="accent1">
+              <a:shade val="50000"/>
+            </a:schemeClr>
+          </a:lnRef>
+          <a:fillRef idx="1">
+            <a:schemeClr val="accent1"/>
+          </a:fillRef>
+          <a:effectRef idx="0">
+            <a:schemeClr val="accent1"/>
+          </a:effectRef>
+          <a:fontRef idx="minor">
+            <a:schemeClr val="lt1"/>
+          </a:fontRef>
+        </p:style>
+        <p:txBody>
+          <a:bodyPr rtlCol="0" anchor="ctr"/>
+          <a:lstStyle/>
+          <a:p>
+            <a:pPr algn="ctr"/>
+            <a:r>
+              <a:rPr lang="en" b="1" dirty="0" smtClean="0"/>
+              <a:t>2</a:t>
+            </a:r>
+            <a:endParaRPr lang="en-US" b="1" dirty="0"/>
+          </a:p>
+        </p:txBody>
+      </p:sp>
+      <p:sp>
+        <p:nvSpPr>
+          <p:cNvPr id="14" name="Oval 13"/>
+          <p:cNvSpPr/>
+          <p:nvPr/>
+        </p:nvSpPr>
+        <p:spPr>
+          <a:xfrm>
+            <a:off x="1303315" y="5560611"/>
+            <a:ext cx="440013" cy="440012"/>
+          </a:xfrm>
+          <a:prstGeom prst="ellipse">
+            <a:avLst/>
+          </a:prstGeom>
+          <a:solidFill>
+            <a:srgbClr val="FF0000"/>
+          </a:solidFill>
+          <a:ln>
+            <a:noFill/>
+          </a:ln>
+        </p:spPr>
+        <p:style>
+          <a:lnRef idx="2">
+            <a:schemeClr val="accent1">
+              <a:shade val="50000"/>
+            </a:schemeClr>
+          </a:lnRef>
+          <a:fillRef idx="1">
+            <a:schemeClr val="accent1"/>
+          </a:fillRef>
+          <a:effectRef idx="0">
+            <a:schemeClr val="accent1"/>
+          </a:effectRef>
+          <a:fontRef idx="minor">
+            <a:schemeClr val="lt1"/>
+          </a:fontRef>
+        </p:style>
+        <p:txBody>
+          <a:bodyPr rtlCol="0" anchor="ctr"/>
+          <a:lstStyle/>
+          <a:p>
+            <a:pPr algn="ctr"/>
+            <a:r>
+              <a:rPr lang="en" b="1" dirty="0" smtClean="0"/>
+              <a:t>3</a:t>
+            </a:r>
+            <a:endParaRPr lang="en-US" b="1" dirty="0"/>
+          </a:p>
+        </p:txBody>
+      </p:sp>
+      <p:pic>
+        <p:nvPicPr>
+          <p:cNvPr id="7" name="Picture 6"/>
+          <p:cNvPicPr>
+            <a:picLocks noChangeAspect="1"/>
+          </p:cNvPicPr>
+          <p:nvPr/>
+        </p:nvPicPr>
+        <p:blipFill>
+          <a:blip r:embed="rId5"/>
+          <a:stretch>
+            <a:fillRect/>
+          </a:stretch>
+        </p:blipFill>
+        <p:spPr>
+          <a:xfrm>
+            <a:off x="2283497" y="2908326"/>
+            <a:ext cx="2851301" cy="549894"/>
+          </a:xfrm>
+          <a:prstGeom prst="rect">
+            <a:avLst/>
+          </a:prstGeom>
         </p:spPr>
       </p:pic>
     </p:spTree>
@@ -4180,179 +4377,9 @@
           <a:chExt cx="0" cy="0"/>
         </a:xfrm>
       </p:grpSpPr>
-      <p:sp>
-        <p:nvSpPr>
-          <p:cNvPr id="2" name="TextBox 1"/>
-          <p:cNvSpPr txBox="1"/>
-          <p:nvPr/>
-        </p:nvSpPr>
-        <p:spPr>
-          <a:xfrm>
-            <a:off x="323133" y="192505"/>
-            <a:ext cx="1623073" cy="461665"/>
-          </a:xfrm>
-          <a:prstGeom prst="rect">
-            <a:avLst/>
-          </a:prstGeom>
-          <a:noFill/>
-        </p:spPr>
-        <p:txBody>
-          <a:bodyPr wrap="none" rtlCol="0">
-            <a:spAutoFit/>
-          </a:bodyPr>
-          <a:lstStyle/>
-          <a:p>
-            <a:r>
-              <a:rPr lang="en" sz="2400" dirty="0" smtClean="0">
-                <a:latin typeface="Segoe UI" panose="020B0502040204020203" pitchFamily="34" charset="0"/>
-                <a:cs typeface="Segoe UI" panose="020B0502040204020203" pitchFamily="34" charset="0"/>
-              </a:rPr>
-              <a:t>The slicers</a:t>
-            </a:r>
-            <a:endParaRPr lang="en-US" sz="2400" dirty="0">
-              <a:latin typeface="Segoe UI" panose="020B0502040204020203" pitchFamily="34" charset="0"/>
-              <a:cs typeface="Segoe UI" panose="020B0502040204020203" pitchFamily="34" charset="0"/>
-            </a:endParaRPr>
-          </a:p>
-        </p:txBody>
-      </p:sp>
-      <p:sp>
-        <p:nvSpPr>
-          <p:cNvPr id="3" name="Rectangle 2"/>
-          <p:cNvSpPr/>
-          <p:nvPr/>
-        </p:nvSpPr>
-        <p:spPr>
-          <a:xfrm>
-            <a:off x="378135" y="762658"/>
-            <a:ext cx="11062178" cy="685059"/>
-          </a:xfrm>
-          <a:prstGeom prst="rect">
-            <a:avLst/>
-          </a:prstGeom>
-        </p:spPr>
-        <p:txBody>
-          <a:bodyPr wrap="square">
-            <a:spAutoFit/>
-          </a:bodyPr>
-          <a:lstStyle/>
-          <a:p>
-            <a:pPr lvl="0">
-              <a:lnSpc>
-                <a:spcPct val="107000"/>
-              </a:lnSpc>
-              <a:spcAft>
-                <a:spcPts val="800"/>
-              </a:spcAft>
-            </a:pPr>
-            <a:r>
-              <a:rPr lang="en" dirty="0" smtClean="0">
-                <a:latin typeface="Segoe UI" panose="020B0502040204020203" pitchFamily="34" charset="0"/>
-                <a:ea typeface="Calibri" panose="020F0502020204030204" pitchFamily="34" charset="0"/>
-                <a:cs typeface="Times New Roman" panose="02020603050405020304" pitchFamily="18" charset="0"/>
-              </a:rPr>
-              <a:t>Change the visual behaviors of both slicers to </a:t>
-            </a:r>
-            <a:r>
-              <a:rPr lang="en" b="1" dirty="0" smtClean="0">
-                <a:latin typeface="Segoe UI" panose="020B0502040204020203" pitchFamily="34" charset="0"/>
-                <a:ea typeface="Calibri" panose="020F0502020204030204" pitchFamily="34" charset="0"/>
-                <a:cs typeface="Times New Roman" panose="02020603050405020304" pitchFamily="18" charset="0"/>
-              </a:rPr>
-              <a:t>Dropdown </a:t>
-            </a:r>
-            <a:r>
-              <a:rPr lang="en" dirty="0" smtClean="0">
-                <a:latin typeface="Segoe UI" panose="020B0502040204020203" pitchFamily="34" charset="0"/>
-                <a:ea typeface="Calibri" panose="020F0502020204030204" pitchFamily="34" charset="0"/>
-                <a:cs typeface="Times New Roman" panose="02020603050405020304" pitchFamily="18" charset="0"/>
-              </a:rPr>
-              <a:t>and </a:t>
-            </a:r>
-            <a:r>
-              <a:rPr lang="en" b="1" dirty="0" smtClean="0">
-                <a:latin typeface="Segoe UI" panose="020B0502040204020203" pitchFamily="34" charset="0"/>
-                <a:ea typeface="Calibri" panose="020F0502020204030204" pitchFamily="34" charset="0"/>
-                <a:cs typeface="Times New Roman" panose="02020603050405020304" pitchFamily="18" charset="0"/>
-              </a:rPr>
-              <a:t>Tile </a:t>
-            </a:r>
-            <a:r>
-              <a:rPr lang="en" dirty="0" smtClean="0">
-                <a:latin typeface="Segoe UI" panose="020B0502040204020203" pitchFamily="34" charset="0"/>
-                <a:ea typeface="Calibri" panose="020F0502020204030204" pitchFamily="34" charset="0"/>
-                <a:cs typeface="Times New Roman" panose="02020603050405020304" pitchFamily="18" charset="0"/>
-              </a:rPr>
-              <a:t>respectively for </a:t>
-            </a:r>
-            <a:r>
-              <a:rPr lang="en" b="1" dirty="0" err="1" smtClean="0">
-                <a:latin typeface="Segoe UI" panose="020B0502040204020203" pitchFamily="34" charset="0"/>
-                <a:ea typeface="Calibri" panose="020F0502020204030204" pitchFamily="34" charset="0"/>
-                <a:cs typeface="Times New Roman" panose="02020603050405020304" pitchFamily="18" charset="0"/>
-              </a:rPr>
-              <a:t>ProductLine </a:t>
-            </a:r>
-            <a:r>
-              <a:rPr lang="en" dirty="0" smtClean="0">
-                <a:latin typeface="Segoe UI" panose="020B0502040204020203" pitchFamily="34" charset="0"/>
-                <a:ea typeface="Calibri" panose="020F0502020204030204" pitchFamily="34" charset="0"/>
-                <a:cs typeface="Times New Roman" panose="02020603050405020304" pitchFamily="18" charset="0"/>
-              </a:rPr>
-              <a:t>and </a:t>
-            </a:r>
-            <a:r>
-              <a:rPr lang="en" b="1" dirty="0" smtClean="0">
-                <a:latin typeface="Segoe UI" panose="020B0502040204020203" pitchFamily="34" charset="0"/>
-                <a:ea typeface="Calibri" panose="020F0502020204030204" pitchFamily="34" charset="0"/>
-                <a:cs typeface="Times New Roman" panose="02020603050405020304" pitchFamily="18" charset="0"/>
-              </a:rPr>
-              <a:t>Gender </a:t>
-            </a:r>
-            <a:r>
-              <a:rPr lang="en" dirty="0" smtClean="0">
-                <a:latin typeface="Segoe UI" panose="020B0502040204020203" pitchFamily="34" charset="0"/>
-                <a:ea typeface="Calibri" panose="020F0502020204030204" pitchFamily="34" charset="0"/>
-                <a:cs typeface="Times New Roman" panose="02020603050405020304" pitchFamily="18" charset="0"/>
-              </a:rPr>
-              <a:t>using the </a:t>
-            </a:r>
-            <a:r>
-              <a:rPr lang="en" b="1" dirty="0" smtClean="0">
-                <a:latin typeface="Segoe UI" panose="020B0502040204020203" pitchFamily="34" charset="0"/>
-                <a:ea typeface="Calibri" panose="020F0502020204030204" pitchFamily="34" charset="0"/>
-                <a:cs typeface="Times New Roman" panose="02020603050405020304" pitchFamily="18" charset="0"/>
-              </a:rPr>
-              <a:t>Format section </a:t>
-            </a:r>
-            <a:r>
-              <a:rPr lang="en" dirty="0" smtClean="0">
-                <a:latin typeface="Segoe UI" panose="020B0502040204020203" pitchFamily="34" charset="0"/>
-                <a:ea typeface="Calibri" panose="020F0502020204030204" pitchFamily="34" charset="0"/>
-                <a:cs typeface="Times New Roman" panose="02020603050405020304" pitchFamily="18" charset="0"/>
-              </a:rPr>
-              <a:t>, then </a:t>
-            </a:r>
-            <a:r>
-              <a:rPr lang="en" b="1" dirty="0" smtClean="0">
-                <a:latin typeface="Segoe UI" panose="020B0502040204020203" pitchFamily="34" charset="0"/>
-                <a:ea typeface="Calibri" panose="020F0502020204030204" pitchFamily="34" charset="0"/>
-                <a:cs typeface="Times New Roman" panose="02020603050405020304" pitchFamily="18" charset="0"/>
-              </a:rPr>
-              <a:t>Style</a:t>
-            </a:r>
-            <a:endParaRPr lang="en-US" sz="1400" b="1" dirty="0">
-              <a:effectLst/>
-              <a:latin typeface="Calibri" panose="020F0502020204030204" pitchFamily="34" charset="0"/>
-              <a:ea typeface="Calibri" panose="020F0502020204030204" pitchFamily="34" charset="0"/>
-              <a:cs typeface="Times New Roman" panose="02020603050405020304" pitchFamily="18" charset="0"/>
-            </a:endParaRPr>
-          </a:p>
-        </p:txBody>
-      </p:sp>
       <p:pic>
         <p:nvPicPr>
-          <p:cNvPr id="5" name="Picture 4"/>
+          <p:cNvPr id="13" name="Picture 12"/>
           <p:cNvPicPr>
             <a:picLocks noChangeAspect="1"/>
           </p:cNvPicPr>
@@ -4366,33 +4393,175 @@
         </p:blipFill>
         <p:spPr>
           <a:xfrm>
-            <a:off x="440012" y="2104237"/>
-            <a:ext cx="2176438" cy="4337815"/>
+            <a:off x="412790" y="2908326"/>
+            <a:ext cx="1676634" cy="3458058"/>
           </a:xfrm>
           <a:prstGeom prst="rect">
             <a:avLst/>
           </a:prstGeom>
-          <a:ln>
-            <a:noFill/>
-          </a:ln>
-          <a:effectLst>
-            <a:outerShdw blurRad="292100" dist="139700" dir="2700000" algn="tl" rotWithShape="0">
-              <a:srgbClr val="333333">
-                <a:alpha val="65000"/>
-              </a:srgbClr>
-            </a:outerShdw>
-          </a:effectLst>
         </p:spPr>
       </p:pic>
       <p:sp>
         <p:nvSpPr>
-          <p:cNvPr id="7" name="Oval 6"/>
+          <p:cNvPr id="2" name="TextBox 1"/>
+          <p:cNvSpPr txBox="1"/>
+          <p:nvPr/>
+        </p:nvSpPr>
+        <p:spPr>
+          <a:xfrm>
+            <a:off x="323133" y="192505"/>
+            <a:ext cx="1623073" cy="461665"/>
+          </a:xfrm>
+          <a:prstGeom prst="rect">
+            <a:avLst/>
+          </a:prstGeom>
+          <a:noFill/>
+        </p:spPr>
+        <p:txBody>
+          <a:bodyPr wrap="none" rtlCol="0">
+            <a:spAutoFit/>
+          </a:bodyPr>
+          <a:lstStyle/>
+          <a:p>
+            <a:r>
+              <a:rPr lang="en" sz="2400" dirty="0" smtClean="0">
+                <a:latin typeface="Segoe UI" panose="020B0502040204020203" pitchFamily="34" charset="0"/>
+                <a:cs typeface="Segoe UI" panose="020B0502040204020203" pitchFamily="34" charset="0"/>
+              </a:rPr>
+              <a:t>The slicers</a:t>
+            </a:r>
+            <a:endParaRPr lang="en-US" sz="2400" dirty="0">
+              <a:latin typeface="Segoe UI" panose="020B0502040204020203" pitchFamily="34" charset="0"/>
+              <a:cs typeface="Segoe UI" panose="020B0502040204020203" pitchFamily="34" charset="0"/>
+            </a:endParaRPr>
+          </a:p>
+        </p:txBody>
+      </p:sp>
+      <p:sp>
+        <p:nvSpPr>
+          <p:cNvPr id="9" name="Rectangle 8"/>
           <p:cNvSpPr/>
           <p:nvPr/>
         </p:nvSpPr>
         <p:spPr>
           <a:xfrm>
-            <a:off x="1725672" y="2365065"/>
+            <a:off x="323133" y="787086"/>
+            <a:ext cx="6347507" cy="388696"/>
+          </a:xfrm>
+          <a:prstGeom prst="rect">
+            <a:avLst/>
+          </a:prstGeom>
+        </p:spPr>
+        <p:txBody>
+          <a:bodyPr wrap="none">
+            <a:spAutoFit/>
+          </a:bodyPr>
+          <a:lstStyle/>
+          <a:p>
+            <a:pPr lvl="0">
+              <a:lnSpc>
+                <a:spcPct val="107000"/>
+              </a:lnSpc>
+              <a:spcAft>
+                <a:spcPts val="800"/>
+              </a:spcAft>
+            </a:pPr>
+            <a:r>
+              <a:rPr lang="en" dirty="0" smtClean="0">
+                <a:latin typeface="Segoe UI" panose="020B0502040204020203" pitchFamily="34" charset="0"/>
+                <a:ea typeface="Calibri" panose="020F0502020204030204" pitchFamily="34" charset="0"/>
+                <a:cs typeface="Times New Roman" panose="02020603050405020304" pitchFamily="18" charset="0"/>
+              </a:rPr>
+              <a:t>Configure the second slicer to display </a:t>
+            </a:r>
+            <a:r>
+              <a:rPr lang="en" b="1" dirty="0" smtClean="0">
+                <a:latin typeface="Segoe UI" panose="020B0502040204020203" pitchFamily="34" charset="0"/>
+                <a:ea typeface="Calibri" panose="020F0502020204030204" pitchFamily="34" charset="0"/>
+                <a:cs typeface="Times New Roman" panose="02020603050405020304" pitchFamily="18" charset="0"/>
+              </a:rPr>
+              <a:t>Month</a:t>
+            </a:r>
+            <a:r>
+              <a:rPr lang="en" dirty="0" smtClean="0">
+                <a:latin typeface="Segoe UI" panose="020B0502040204020203" pitchFamily="34" charset="0"/>
+                <a:ea typeface="Calibri" panose="020F0502020204030204" pitchFamily="34" charset="0"/>
+                <a:cs typeface="Times New Roman" panose="02020603050405020304" pitchFamily="18" charset="0"/>
+              </a:rPr>
+              <a:t> from </a:t>
+            </a:r>
+            <a:r>
+              <a:rPr lang="en" b="1" dirty="0" smtClean="0">
+                <a:latin typeface="Segoe UI" panose="020B0502040204020203" pitchFamily="34" charset="0"/>
+                <a:ea typeface="Calibri" panose="020F0502020204030204" pitchFamily="34" charset="0"/>
+                <a:cs typeface="Times New Roman" panose="02020603050405020304" pitchFamily="18" charset="0"/>
+              </a:rPr>
+              <a:t>DimDate</a:t>
+            </a:r>
+            <a:endParaRPr lang="en-US" sz="1400" b="1" dirty="0">
+              <a:effectLst/>
+              <a:latin typeface="Calibri" panose="020F0502020204030204" pitchFamily="34" charset="0"/>
+              <a:ea typeface="Calibri" panose="020F0502020204030204" pitchFamily="34" charset="0"/>
+              <a:cs typeface="Times New Roman" panose="02020603050405020304" pitchFamily="18" charset="0"/>
+            </a:endParaRPr>
+          </a:p>
+        </p:txBody>
+      </p:sp>
+      <p:sp>
+        <p:nvSpPr>
+          <p:cNvPr id="8" name="Rectangle 7"/>
+          <p:cNvSpPr/>
+          <p:nvPr/>
+        </p:nvSpPr>
+        <p:spPr>
+          <a:xfrm>
+            <a:off x="323133" y="2519630"/>
+            <a:ext cx="4883068" cy="388696"/>
+          </a:xfrm>
+          <a:prstGeom prst="rect">
+            <a:avLst/>
+          </a:prstGeom>
+        </p:spPr>
+        <p:txBody>
+          <a:bodyPr wrap="none">
+            <a:spAutoFit/>
+          </a:bodyPr>
+          <a:lstStyle/>
+          <a:p>
+            <a:pPr lvl="0">
+              <a:lnSpc>
+                <a:spcPct val="107000"/>
+              </a:lnSpc>
+              <a:spcAft>
+                <a:spcPts val="800"/>
+              </a:spcAft>
+            </a:pPr>
+            <a:r>
+              <a:rPr lang="en" dirty="0" smtClean="0">
+                <a:latin typeface="Segoe UI" panose="020B0502040204020203" pitchFamily="34" charset="0"/>
+                <a:ea typeface="Calibri" panose="020F0502020204030204" pitchFamily="34" charset="0"/>
+                <a:cs typeface="Times New Roman" panose="02020603050405020304" pitchFamily="18" charset="0"/>
+              </a:rPr>
+              <a:t>Change the slicer appearance to be dropdown</a:t>
+            </a:r>
+            <a:endParaRPr lang="en-US" sz="1400" b="1" dirty="0">
+              <a:effectLst/>
+              <a:latin typeface="Calibri" panose="020F0502020204030204" pitchFamily="34" charset="0"/>
+              <a:ea typeface="Calibri" panose="020F0502020204030204" pitchFamily="34" charset="0"/>
+              <a:cs typeface="Times New Roman" panose="02020603050405020304" pitchFamily="18" charset="0"/>
+            </a:endParaRPr>
+          </a:p>
+        </p:txBody>
+      </p:sp>
+      <p:sp>
+        <p:nvSpPr>
+          <p:cNvPr id="11" name="Oval 10"/>
+          <p:cNvSpPr/>
+          <p:nvPr/>
+        </p:nvSpPr>
+        <p:spPr>
+          <a:xfrm>
+            <a:off x="1251107" y="2850220"/>
             <a:ext cx="440013" cy="440012"/>
           </a:xfrm>
           <a:prstGeom prst="ellipse">
@@ -4436,13 +4605,13 @@
       </p:sp>
       <p:sp>
         <p:nvSpPr>
-          <p:cNvPr id="9" name="Oval 8"/>
+          <p:cNvPr id="12" name="Oval 11"/>
           <p:cNvSpPr/>
           <p:nvPr/>
         </p:nvSpPr>
         <p:spPr>
           <a:xfrm>
-            <a:off x="613038" y="3094981"/>
+            <a:off x="914662" y="4255652"/>
             <a:ext cx="440013" cy="440012"/>
           </a:xfrm>
           <a:prstGeom prst="ellipse">
@@ -4486,13 +4655,13 @@
       </p:sp>
       <p:sp>
         <p:nvSpPr>
-          <p:cNvPr id="10" name="Oval 9"/>
+          <p:cNvPr id="14" name="Oval 13"/>
           <p:cNvSpPr/>
           <p:nvPr/>
         </p:nvSpPr>
         <p:spPr>
           <a:xfrm>
-            <a:off x="1568070" y="5048680"/>
+            <a:off x="1213760" y="5311018"/>
             <a:ext cx="440013" cy="440012"/>
           </a:xfrm>
           <a:prstGeom prst="ellipse">
@@ -4536,7 +4705,7 @@
       </p:sp>
       <p:pic>
         <p:nvPicPr>
-          <p:cNvPr id="11" name="Picture 10"/>
+          <p:cNvPr id="5" name="Picture 4"/>
           <p:cNvPicPr>
             <a:picLocks noChangeAspect="1"/>
           </p:cNvPicPr>
@@ -4550,177 +4719,17 @@
         </p:blipFill>
         <p:spPr>
           <a:xfrm>
-            <a:off x="3078042" y="2090486"/>
-            <a:ext cx="1878747" cy="4351566"/>
+            <a:off x="515918" y="1267700"/>
+            <a:ext cx="2657846" cy="885949"/>
           </a:xfrm>
           <a:prstGeom prst="rect">
             <a:avLst/>
           </a:prstGeom>
-          <a:ln>
-            <a:noFill/>
-          </a:ln>
-          <a:effectLst>
-            <a:outerShdw blurRad="292100" dist="139700" dir="2700000" algn="tl" rotWithShape="0">
-              <a:srgbClr val="333333">
-                <a:alpha val="65000"/>
-              </a:srgbClr>
-            </a:outerShdw>
-          </a:effectLst>
         </p:spPr>
       </p:pic>
-      <p:sp>
-        <p:nvSpPr>
-          <p:cNvPr id="12" name="Oval 11"/>
-          <p:cNvSpPr/>
-          <p:nvPr/>
-        </p:nvSpPr>
-        <p:spPr>
-          <a:xfrm>
-            <a:off x="4235552" y="2365065"/>
-            <a:ext cx="440013" cy="440012"/>
-          </a:xfrm>
-          <a:prstGeom prst="ellipse">
-            <a:avLst/>
-          </a:prstGeom>
-          <a:solidFill>
-            <a:srgbClr val="FF0000"/>
-          </a:solidFill>
-          <a:ln>
-            <a:noFill/>
-          </a:ln>
-        </p:spPr>
-        <p:style>
-          <a:lnRef idx="2">
-            <a:schemeClr val="accent1">
-              <a:shade val="50000"/>
-            </a:schemeClr>
-          </a:lnRef>
-          <a:fillRef idx="1">
-            <a:schemeClr val="accent1"/>
-          </a:fillRef>
-          <a:effectRef idx="0">
-            <a:schemeClr val="accent1"/>
-          </a:effectRef>
-          <a:fontRef idx="minor">
-            <a:schemeClr val="lt1"/>
-          </a:fontRef>
-        </p:style>
-        <p:txBody>
-          <a:bodyPr rtlCol="0" anchor="ctr"/>
-          <a:lstStyle/>
-          <a:p>
-            <a:pPr algn="ctr"/>
-            <a:r>
-              <a:rPr lang="en" b="1" dirty="0" smtClean="0"/>
-              <a:t>1</a:t>
-            </a:r>
-            <a:endParaRPr lang="en-US" b="1" dirty="0"/>
-          </a:p>
-        </p:txBody>
-      </p:sp>
-      <p:sp>
-        <p:nvSpPr>
-          <p:cNvPr id="13" name="Oval 12"/>
-          <p:cNvSpPr/>
-          <p:nvPr/>
-        </p:nvSpPr>
-        <p:spPr>
-          <a:xfrm>
-            <a:off x="3122918" y="3094981"/>
-            <a:ext cx="440013" cy="440012"/>
-          </a:xfrm>
-          <a:prstGeom prst="ellipse">
-            <a:avLst/>
-          </a:prstGeom>
-          <a:solidFill>
-            <a:srgbClr val="FF0000"/>
-          </a:solidFill>
-          <a:ln>
-            <a:noFill/>
-          </a:ln>
-        </p:spPr>
-        <p:style>
-          <a:lnRef idx="2">
-            <a:schemeClr val="accent1">
-              <a:shade val="50000"/>
-            </a:schemeClr>
-          </a:lnRef>
-          <a:fillRef idx="1">
-            <a:schemeClr val="accent1"/>
-          </a:fillRef>
-          <a:effectRef idx="0">
-            <a:schemeClr val="accent1"/>
-          </a:effectRef>
-          <a:fontRef idx="minor">
-            <a:schemeClr val="lt1"/>
-          </a:fontRef>
-        </p:style>
-        <p:txBody>
-          <a:bodyPr rtlCol="0" anchor="ctr"/>
-          <a:lstStyle/>
-          <a:p>
-            <a:pPr algn="ctr"/>
-            <a:r>
-              <a:rPr lang="en" b="1" dirty="0" smtClean="0"/>
-              <a:t>2</a:t>
-            </a:r>
-            <a:endParaRPr lang="en-US" b="1" dirty="0"/>
-          </a:p>
-        </p:txBody>
-      </p:sp>
-      <p:sp>
-        <p:nvSpPr>
-          <p:cNvPr id="14" name="Oval 13"/>
-          <p:cNvSpPr/>
-          <p:nvPr/>
-        </p:nvSpPr>
-        <p:spPr>
-          <a:xfrm>
-            <a:off x="4077950" y="5048680"/>
-            <a:ext cx="440013" cy="440012"/>
-          </a:xfrm>
-          <a:prstGeom prst="ellipse">
-            <a:avLst/>
-          </a:prstGeom>
-          <a:solidFill>
-            <a:srgbClr val="FF0000"/>
-          </a:solidFill>
-          <a:ln>
-            <a:noFill/>
-          </a:ln>
-        </p:spPr>
-        <p:style>
-          <a:lnRef idx="2">
-            <a:schemeClr val="accent1">
-              <a:shade val="50000"/>
-            </a:schemeClr>
-          </a:lnRef>
-          <a:fillRef idx="1">
-            <a:schemeClr val="accent1"/>
-          </a:fillRef>
-          <a:effectRef idx="0">
-            <a:schemeClr val="accent1"/>
-          </a:effectRef>
-          <a:fontRef idx="minor">
-            <a:schemeClr val="lt1"/>
-          </a:fontRef>
-        </p:style>
-        <p:txBody>
-          <a:bodyPr rtlCol="0" anchor="ctr"/>
-          <a:lstStyle/>
-          <a:p>
-            <a:pPr algn="ctr"/>
-            <a:r>
-              <a:rPr lang="en" b="1" dirty="0" smtClean="0"/>
-              <a:t>3</a:t>
-            </a:r>
-            <a:endParaRPr lang="en-US" b="1" dirty="0"/>
-          </a:p>
-        </p:txBody>
-      </p:sp>
       <p:pic>
         <p:nvPicPr>
-          <p:cNvPr id="15" name="Picture 14"/>
+          <p:cNvPr id="10" name="Picture 9"/>
           <p:cNvPicPr>
             <a:picLocks noChangeAspect="1"/>
           </p:cNvPicPr>
@@ -4734,28 +4743,41 @@
         </p:blipFill>
         <p:spPr>
           <a:xfrm>
-            <a:off x="5617811" y="2090486"/>
-            <a:ext cx="4696480" cy="2591162"/>
+            <a:off x="3440521" y="1267700"/>
+            <a:ext cx="2169632" cy="818261"/>
           </a:xfrm>
           <a:prstGeom prst="rect">
             <a:avLst/>
           </a:prstGeom>
-          <a:ln>
-            <a:noFill/>
-          </a:ln>
-          <a:effectLst>
-            <a:outerShdw blurRad="292100" dist="139700" dir="2700000" algn="tl" rotWithShape="0">
-              <a:srgbClr val="333333">
-                <a:alpha val="65000"/>
-              </a:srgbClr>
-            </a:outerShdw>
-          </a:effectLst>
+        </p:spPr>
+      </p:pic>
+      <p:pic>
+        <p:nvPicPr>
+          <p:cNvPr id="15" name="Picture 14"/>
+          <p:cNvPicPr>
+            <a:picLocks noChangeAspect="1"/>
+          </p:cNvPicPr>
+          <p:nvPr/>
+        </p:nvPicPr>
+        <p:blipFill rotWithShape="1">
+          <a:blip r:embed="rId5"/>
+          <a:srcRect t="1780" b="1"/>
+          <a:stretch/>
+        </p:blipFill>
+        <p:spPr>
+          <a:xfrm>
+            <a:off x="2282649" y="2956331"/>
+            <a:ext cx="3210626" cy="3329956"/>
+          </a:xfrm>
+          <a:prstGeom prst="rect">
+            <a:avLst/>
+          </a:prstGeom>
         </p:spPr>
       </p:pic>
     </p:spTree>
     <p:extLst>
       <p:ext uri="{BB962C8B-B14F-4D97-AF65-F5344CB8AC3E}">
-        <p14:creationId xmlns:p14="http://schemas.microsoft.com/office/powerpoint/2010/main" val="440781525"/>
+        <p14:creationId xmlns:p14="http://schemas.microsoft.com/office/powerpoint/2010/main" val="3085753220"/>
       </p:ext>
     </p:extLst>
   </p:cSld>
@@ -4820,14 +4842,14 @@
       </p:sp>
       <p:sp>
         <p:nvSpPr>
-          <p:cNvPr id="7" name="Rectangle 6"/>
+          <p:cNvPr id="3" name="Rectangle 2"/>
           <p:cNvSpPr/>
           <p:nvPr/>
         </p:nvSpPr>
         <p:spPr>
           <a:xfrm>
-            <a:off x="380426" y="802775"/>
-            <a:ext cx="9127958" cy="373692"/>
+            <a:off x="378135" y="762658"/>
+            <a:ext cx="11062178" cy="373692"/>
           </a:xfrm>
           <a:prstGeom prst="rect">
             <a:avLst/>
@@ -4846,9 +4868,6 @@
               <a:spcAft>
                 <a:spcPts val="800"/>
               </a:spcAft>
-              <a:tabLst>
-                <a:tab pos="285750" algn="l"/>
-              </a:tabLst>
             </a:pPr>
             <a:r>
               <a:rPr lang="en" dirty="0" smtClean="0">
@@ -4856,15 +4875,15 @@
                 <a:ea typeface="Calibri" panose="020F0502020204030204" pitchFamily="34" charset="0"/>
                 <a:cs typeface="Times New Roman" panose="02020603050405020304" pitchFamily="18" charset="0"/>
               </a:rPr>
-              <a:t>Now try changing the </a:t>
-            </a:r>
-            <a:r>
-              <a:rPr lang="en" dirty="0" err="1" smtClean="0">
+              <a:t>Add the following measure to the </a:t>
+            </a:r>
+            <a:r>
+              <a:rPr lang="en" b="1" dirty="0" smtClean="0">
                 <a:latin typeface="Segoe UI" panose="020B0502040204020203" pitchFamily="34" charset="0"/>
                 <a:ea typeface="Calibri" panose="020F0502020204030204" pitchFamily="34" charset="0"/>
                 <a:cs typeface="Times New Roman" panose="02020603050405020304" pitchFamily="18" charset="0"/>
               </a:rPr>
-              <a:t>selection behavior </a:t>
+              <a:t>FactSales</a:t>
             </a:r>
             <a:r>
               <a:rPr lang="en" dirty="0" smtClean="0">
@@ -4872,31 +4891,7 @@
                 <a:ea typeface="Calibri" panose="020F0502020204030204" pitchFamily="34" charset="0"/>
                 <a:cs typeface="Times New Roman" panose="02020603050405020304" pitchFamily="18" charset="0"/>
               </a:rPr>
-              <a:t>always from the </a:t>
-            </a:r>
-            <a:r>
-              <a:rPr lang="en" b="1" dirty="0" smtClean="0">
-                <a:latin typeface="Segoe UI" panose="020B0502040204020203" pitchFamily="34" charset="0"/>
-                <a:ea typeface="Calibri" panose="020F0502020204030204" pitchFamily="34" charset="0"/>
-                <a:cs typeface="Times New Roman" panose="02020603050405020304" pitchFamily="18" charset="0"/>
-              </a:rPr>
-              <a:t>Format section </a:t>
-            </a:r>
-            <a:r>
-              <a:rPr lang="en" dirty="0" smtClean="0">
-                <a:latin typeface="Segoe UI" panose="020B0502040204020203" pitchFamily="34" charset="0"/>
-                <a:ea typeface="Calibri" panose="020F0502020204030204" pitchFamily="34" charset="0"/>
-                <a:cs typeface="Times New Roman" panose="02020603050405020304" pitchFamily="18" charset="0"/>
-              </a:rPr>
-              <a:t>then </a:t>
-            </a:r>
-            <a:r>
-              <a:rPr lang="en" b="1" dirty="0" smtClean="0">
-                <a:latin typeface="Segoe UI" panose="020B0502040204020203" pitchFamily="34" charset="0"/>
-                <a:ea typeface="Calibri" panose="020F0502020204030204" pitchFamily="34" charset="0"/>
-                <a:cs typeface="Times New Roman" panose="02020603050405020304" pitchFamily="18" charset="0"/>
-              </a:rPr>
-              <a:t>Selection</a:t>
+              <a:t> table</a:t>
             </a:r>
             <a:endParaRPr lang="en-US" sz="1400" b="1" dirty="0">
               <a:effectLst/>
@@ -4907,9 +4902,157 @@
           </a:p>
         </p:txBody>
       </p:sp>
+      <p:sp>
+        <p:nvSpPr>
+          <p:cNvPr id="4" name="Rectangle 3"/>
+          <p:cNvSpPr/>
+          <p:nvPr/>
+        </p:nvSpPr>
+        <p:spPr>
+          <a:xfrm>
+            <a:off x="378135" y="1244838"/>
+            <a:ext cx="10876548" cy="369332"/>
+          </a:xfrm>
+          <a:prstGeom prst="rect">
+            <a:avLst/>
+          </a:prstGeom>
+        </p:spPr>
+        <p:txBody>
+          <a:bodyPr wrap="square">
+            <a:spAutoFit/>
+          </a:bodyPr>
+          <a:lstStyle/>
+          <a:p>
+            <a:r>
+              <a:rPr lang="en-US">
+                <a:solidFill>
+                  <a:srgbClr val="000000"/>
+                </a:solidFill>
+                <a:latin typeface="Consolas" panose="020B0609020204030204" pitchFamily="49" charset="0"/>
+              </a:rPr>
+              <a:t>Total Sales = </a:t>
+            </a:r>
+            <a:r>
+              <a:rPr lang="en-US">
+                <a:solidFill>
+                  <a:srgbClr val="3165BB"/>
+                </a:solidFill>
+                <a:latin typeface="Consolas" panose="020B0609020204030204" pitchFamily="49" charset="0"/>
+              </a:rPr>
+              <a:t>SUMX</a:t>
+            </a:r>
+            <a:r>
+              <a:rPr lang="en-US">
+                <a:solidFill>
+                  <a:srgbClr val="000000"/>
+                </a:solidFill>
+                <a:latin typeface="Consolas" panose="020B0609020204030204" pitchFamily="49" charset="0"/>
+              </a:rPr>
+              <a:t>(</a:t>
+            </a:r>
+            <a:r>
+              <a:rPr lang="en-US">
+                <a:solidFill>
+                  <a:srgbClr val="001080"/>
+                </a:solidFill>
+                <a:latin typeface="Consolas" panose="020B0609020204030204" pitchFamily="49" charset="0"/>
+              </a:rPr>
+              <a:t>FactSales</a:t>
+            </a:r>
+            <a:r>
+              <a:rPr lang="en-US">
+                <a:solidFill>
+                  <a:srgbClr val="000000"/>
+                </a:solidFill>
+                <a:latin typeface="Consolas" panose="020B0609020204030204" pitchFamily="49" charset="0"/>
+              </a:rPr>
+              <a:t>, </a:t>
+            </a:r>
+            <a:r>
+              <a:rPr lang="en-US">
+                <a:solidFill>
+                  <a:srgbClr val="001080"/>
+                </a:solidFill>
+                <a:latin typeface="Consolas" panose="020B0609020204030204" pitchFamily="49" charset="0"/>
+              </a:rPr>
+              <a:t>FactSales[</a:t>
+            </a:r>
+            <a:r>
+              <a:rPr lang="en-US" dirty="0" err="1">
+                <a:solidFill>
+                  <a:srgbClr val="001080"/>
+                </a:solidFill>
+                <a:latin typeface="Consolas" panose="020B0609020204030204" pitchFamily="49" charset="0"/>
+              </a:rPr>
+              <a:t>SalesQuantity</a:t>
+            </a:r>
+            <a:r>
+              <a:rPr lang="en-US" dirty="0">
+                <a:solidFill>
+                  <a:srgbClr val="001080"/>
+                </a:solidFill>
+                <a:latin typeface="Consolas" panose="020B0609020204030204" pitchFamily="49" charset="0"/>
+              </a:rPr>
+              <a:t>]</a:t>
+            </a:r>
+            <a:r>
+              <a:rPr lang="en-US" dirty="0">
+                <a:solidFill>
+                  <a:srgbClr val="000000"/>
+                </a:solidFill>
+                <a:latin typeface="Consolas" panose="020B0609020204030204" pitchFamily="49" charset="0"/>
+              </a:rPr>
+              <a:t>*</a:t>
+            </a:r>
+            <a:r>
+              <a:rPr lang="en-US" dirty="0">
+                <a:solidFill>
+                  <a:srgbClr val="001080"/>
+                </a:solidFill>
+                <a:latin typeface="Consolas" panose="020B0609020204030204" pitchFamily="49" charset="0"/>
+              </a:rPr>
+              <a:t>FactSales[</a:t>
+            </a:r>
+            <a:r>
+              <a:rPr lang="en-US" dirty="0" err="1">
+                <a:solidFill>
+                  <a:srgbClr val="001080"/>
+                </a:solidFill>
+                <a:latin typeface="Consolas" panose="020B0609020204030204" pitchFamily="49" charset="0"/>
+              </a:rPr>
+              <a:t>UnitPrice</a:t>
+            </a:r>
+            <a:r>
+              <a:rPr lang="en-US" dirty="0">
+                <a:solidFill>
+                  <a:srgbClr val="001080"/>
+                </a:solidFill>
+                <a:latin typeface="Consolas" panose="020B0609020204030204" pitchFamily="49" charset="0"/>
+              </a:rPr>
+              <a:t>]</a:t>
+            </a:r>
+            <a:r>
+              <a:rPr lang="en-US" dirty="0">
+                <a:solidFill>
+                  <a:srgbClr val="000000"/>
+                </a:solidFill>
+                <a:latin typeface="Consolas" panose="020B0609020204030204" pitchFamily="49" charset="0"/>
+              </a:rPr>
+              <a:t>)</a:t>
+            </a:r>
+            <a:endParaRPr lang="en-US" b="0" dirty="0">
+              <a:solidFill>
+                <a:srgbClr val="000000"/>
+              </a:solidFill>
+              <a:effectLst/>
+              <a:latin typeface="Consolas" panose="020B0609020204030204" pitchFamily="49" charset="0"/>
+            </a:endParaRPr>
+          </a:p>
+        </p:txBody>
+      </p:sp>
       <p:pic>
         <p:nvPicPr>
-          <p:cNvPr id="3" name="Picture 2"/>
+          <p:cNvPr id="6" name="Picture 5"/>
           <p:cNvPicPr>
             <a:picLocks noChangeAspect="1"/>
           </p:cNvPicPr>
@@ -4923,8 +5066,110 @@
         </p:blipFill>
         <p:spPr>
           <a:xfrm>
-            <a:off x="584090" y="1453099"/>
-            <a:ext cx="3296110" cy="4639322"/>
+            <a:off x="477314" y="2457264"/>
+            <a:ext cx="2430891" cy="889011"/>
+          </a:xfrm>
+          <a:prstGeom prst="rect">
+            <a:avLst/>
+          </a:prstGeom>
+        </p:spPr>
+      </p:pic>
+      <p:sp>
+        <p:nvSpPr>
+          <p:cNvPr id="16" name="Rectangle 15"/>
+          <p:cNvSpPr/>
+          <p:nvPr/>
+        </p:nvSpPr>
+        <p:spPr>
+          <a:xfrm>
+            <a:off x="378135" y="1792598"/>
+            <a:ext cx="11062178" cy="373692"/>
+          </a:xfrm>
+          <a:prstGeom prst="rect">
+            <a:avLst/>
+          </a:prstGeom>
+        </p:spPr>
+        <p:txBody>
+          <a:bodyPr wrap="square">
+            <a:spAutoFit/>
+          </a:bodyPr>
+          <a:lstStyle/>
+          <a:p>
+            <a:pPr lvl="0">
+              <a:lnSpc>
+                <a:spcPct val="107000"/>
+              </a:lnSpc>
+              <a:spcAft>
+                <a:spcPts val="800"/>
+              </a:spcAft>
+            </a:pPr>
+            <a:r>
+              <a:rPr lang="en" dirty="0" smtClean="0">
+                <a:latin typeface="Segoe UI" panose="020B0502040204020203" pitchFamily="34" charset="0"/>
+                <a:ea typeface="Calibri" panose="020F0502020204030204" pitchFamily="34" charset="0"/>
+                <a:cs typeface="Times New Roman" panose="02020603050405020304" pitchFamily="18" charset="0"/>
+              </a:rPr>
+              <a:t>Then configure the </a:t>
+            </a:r>
+            <a:r>
+              <a:rPr lang="en" b="1" dirty="0" smtClean="0">
+                <a:latin typeface="Segoe UI" panose="020B0502040204020203" pitchFamily="34" charset="0"/>
+                <a:ea typeface="Calibri" panose="020F0502020204030204" pitchFamily="34" charset="0"/>
+                <a:cs typeface="Times New Roman" panose="02020603050405020304" pitchFamily="18" charset="0"/>
+              </a:rPr>
+              <a:t>Card</a:t>
+            </a:r>
+            <a:r>
+              <a:rPr lang="en" dirty="0" smtClean="0">
+                <a:latin typeface="Segoe UI" panose="020B0502040204020203" pitchFamily="34" charset="0"/>
+                <a:ea typeface="Calibri" panose="020F0502020204030204" pitchFamily="34" charset="0"/>
+                <a:cs typeface="Times New Roman" panose="02020603050405020304" pitchFamily="18" charset="0"/>
+              </a:rPr>
+              <a:t> to show </a:t>
+            </a:r>
+            <a:r>
+              <a:rPr lang="en" b="1" dirty="0" smtClean="0">
+                <a:latin typeface="Segoe UI" panose="020B0502040204020203" pitchFamily="34" charset="0"/>
+                <a:ea typeface="Calibri" panose="020F0502020204030204" pitchFamily="34" charset="0"/>
+                <a:cs typeface="Times New Roman" panose="02020603050405020304" pitchFamily="18" charset="0"/>
+              </a:rPr>
+              <a:t>Total Sales</a:t>
+            </a:r>
+            <a:r>
+              <a:rPr lang="en" dirty="0" smtClean="0">
+                <a:latin typeface="Segoe UI" panose="020B0502040204020203" pitchFamily="34" charset="0"/>
+                <a:ea typeface="Calibri" panose="020F0502020204030204" pitchFamily="34" charset="0"/>
+                <a:cs typeface="Times New Roman" panose="02020603050405020304" pitchFamily="18" charset="0"/>
+              </a:rPr>
+              <a:t> </a:t>
+            </a:r>
+            <a:endParaRPr lang="en-US" sz="1400" b="1" dirty="0">
+              <a:effectLst/>
+              <a:latin typeface="Calibri" panose="020F0502020204030204" pitchFamily="34" charset="0"/>
+              <a:ea typeface="Calibri" panose="020F0502020204030204" pitchFamily="34" charset="0"/>
+              <a:cs typeface="Times New Roman" panose="02020603050405020304" pitchFamily="18" charset="0"/>
+            </a:endParaRPr>
+          </a:p>
+        </p:txBody>
+      </p:sp>
+      <p:pic>
+        <p:nvPicPr>
+          <p:cNvPr id="8" name="Picture 7"/>
+          <p:cNvPicPr>
+            <a:picLocks noChangeAspect="1"/>
+          </p:cNvPicPr>
+          <p:nvPr/>
+        </p:nvPicPr>
+        <p:blipFill>
+          <a:blip r:embed="rId3"/>
+          <a:stretch>
+            <a:fillRect/>
+          </a:stretch>
+        </p:blipFill>
+        <p:spPr>
+          <a:xfrm>
+            <a:off x="3283576" y="2457264"/>
+            <a:ext cx="5734850" cy="3953427"/>
           </a:xfrm>
           <a:prstGeom prst="rect">
             <a:avLst/>
@@ -4934,7 +5179,7 @@
     </p:spTree>
     <p:extLst>
       <p:ext uri="{BB962C8B-B14F-4D97-AF65-F5344CB8AC3E}">
-        <p14:creationId xmlns:p14="http://schemas.microsoft.com/office/powerpoint/2010/main" val="34714596"/>
+        <p14:creationId xmlns:p14="http://schemas.microsoft.com/office/powerpoint/2010/main" val="440781525"/>
       </p:ext>
     </p:extLst>
   </p:cSld>
@@ -4947,14 +5192,6 @@
 <file path=ppt/slides/slide6.xml><?xml version="1.0" encoding="utf-8"?>
 <p:sld xmlns:a="http://schemas.openxmlformats.org/drawingml/2006/main" xmlns:r="http://schemas.openxmlformats.org/officeDocument/2006/relationships" xmlns:p="http://schemas.openxmlformats.org/presentationml/2006/main">
   <p:cSld>
-    <p:bg>
-      <p:bgPr>
-        <a:solidFill>
-          <a:srgbClr val="FFC000"/>
-        </a:solidFill>
-        <a:effectLst/>
-      </p:bgPr>
-    </p:bg>
     <p:spTree>
       <p:nvGrpSpPr>
         <p:cNvPr id="1" name=""/>
@@ -4971,53 +5208,174 @@
       </p:grpSpPr>
       <p:sp>
         <p:nvSpPr>
-          <p:cNvPr id="2" name="AutoShape 2" descr="Minimalistic illustration in black and white on a white background with the text 'Thank You' elegantly styled below. The design features simple, clean icons such as a handshake or a ribbon to symbolize gratitude, with a professional and modern aesthetic suitable for a presentation closing slide."/>
-          <p:cNvSpPr>
-            <a:spLocks noChangeAspect="1" noChangeArrowheads="1"/>
-          </p:cNvSpPr>
+          <p:cNvPr id="2" name="TextBox 1"/>
+          <p:cNvSpPr txBox="1"/>
           <p:nvPr/>
         </p:nvSpPr>
-        <p:spPr bwMode="auto">
-          <a:xfrm>
-            <a:off x="155575" y="-144463"/>
-            <a:ext cx="304800" cy="304801"/>
+        <p:spPr>
+          <a:xfrm>
+            <a:off x="323133" y="192505"/>
+            <a:ext cx="1623073" cy="461665"/>
           </a:xfrm>
           <a:prstGeom prst="rect">
             <a:avLst/>
           </a:prstGeom>
           <a:noFill/>
-          <a:extLst>
-            <a:ext uri="{909E8E84-426E-40DD-AFC4-6F175D3DCCD1}">
-              <a14:hiddenFill xmlns:a14="http://schemas.microsoft.com/office/drawing/2010/main">
-                <a:solidFill>
-                  <a:srgbClr val="FFFFFF"/>
-                </a:solidFill>
-              </a14:hiddenFill>
-            </a:ext>
-          </a:extLst>
-        </p:spPr>
-        <p:txBody>
-          <a:bodyPr vert="horz" wrap="square" lIns="91440" tIns="45720" rIns="91440" bIns="45720" numCol="1" anchor="t" anchorCtr="0" compatLnSpc="1">
-            <a:prstTxWarp prst="textNoShape">
-              <a:avLst/>
-            </a:prstTxWarp>
+        </p:spPr>
+        <p:txBody>
+          <a:bodyPr wrap="none" rtlCol="0">
+            <a:spAutoFit/>
           </a:bodyPr>
           <a:lstStyle/>
           <a:p>
-            <a:endParaRPr lang="en-US"/>
-          </a:p>
-        </p:txBody>
-      </p:sp>
-      <p:sp>
-        <p:nvSpPr>
-          <p:cNvPr id="5" name="TextBox 4"/>
+            <a:r>
+              <a:rPr lang="en" sz="2400" dirty="0" smtClean="0">
+                <a:latin typeface="Segoe UI" panose="020B0502040204020203" pitchFamily="34" charset="0"/>
+                <a:cs typeface="Segoe UI" panose="020B0502040204020203" pitchFamily="34" charset="0"/>
+              </a:rPr>
+              <a:t>The slicers</a:t>
+            </a:r>
+            <a:endParaRPr lang="en-US" sz="2400" dirty="0">
+              <a:latin typeface="Segoe UI" panose="020B0502040204020203" pitchFamily="34" charset="0"/>
+              <a:cs typeface="Segoe UI" panose="020B0502040204020203" pitchFamily="34" charset="0"/>
+            </a:endParaRPr>
+          </a:p>
+        </p:txBody>
+      </p:sp>
+      <p:sp>
+        <p:nvSpPr>
+          <p:cNvPr id="3" name="Rectangle 2"/>
+          <p:cNvSpPr/>
+          <p:nvPr/>
+        </p:nvSpPr>
+        <p:spPr>
+          <a:xfrm>
+            <a:off x="371260" y="742032"/>
+            <a:ext cx="11062178" cy="373692"/>
+          </a:xfrm>
+          <a:prstGeom prst="rect">
+            <a:avLst/>
+          </a:prstGeom>
+        </p:spPr>
+        <p:txBody>
+          <a:bodyPr wrap="square">
+            <a:spAutoFit/>
+          </a:bodyPr>
+          <a:lstStyle/>
+          <a:p>
+            <a:pPr lvl="0">
+              <a:lnSpc>
+                <a:spcPct val="107000"/>
+              </a:lnSpc>
+              <a:spcAft>
+                <a:spcPts val="800"/>
+              </a:spcAft>
+            </a:pPr>
+            <a:r>
+              <a:rPr lang="en" dirty="0" smtClean="0">
+                <a:latin typeface="Segoe UI" panose="020B0502040204020203" pitchFamily="34" charset="0"/>
+                <a:ea typeface="Calibri" panose="020F0502020204030204" pitchFamily="34" charset="0"/>
+                <a:cs typeface="Times New Roman" panose="02020603050405020304" pitchFamily="18" charset="0"/>
+              </a:rPr>
+              <a:t>Try to change the selections and observe the Card </a:t>
+            </a:r>
+            <a:endParaRPr lang="en-US" sz="1400" b="1" dirty="0">
+              <a:effectLst/>
+              <a:latin typeface="Calibri" panose="020F0502020204030204" pitchFamily="34" charset="0"/>
+              <a:ea typeface="Calibri" panose="020F0502020204030204" pitchFamily="34" charset="0"/>
+              <a:cs typeface="Times New Roman" panose="02020603050405020304" pitchFamily="18" charset="0"/>
+            </a:endParaRPr>
+          </a:p>
+        </p:txBody>
+      </p:sp>
+      <p:pic>
+        <p:nvPicPr>
+          <p:cNvPr id="5" name="Picture 4"/>
+          <p:cNvPicPr>
+            <a:picLocks noChangeAspect="1"/>
+          </p:cNvPicPr>
+          <p:nvPr/>
+        </p:nvPicPr>
+        <p:blipFill>
+          <a:blip r:embed="rId2"/>
+          <a:stretch>
+            <a:fillRect/>
+          </a:stretch>
+        </p:blipFill>
+        <p:spPr>
+          <a:xfrm>
+            <a:off x="442506" y="1528541"/>
+            <a:ext cx="5611432" cy="3545029"/>
+          </a:xfrm>
+          <a:prstGeom prst="rect">
+            <a:avLst/>
+          </a:prstGeom>
+        </p:spPr>
+      </p:pic>
+      <p:pic>
+        <p:nvPicPr>
+          <p:cNvPr id="7" name="Picture 6"/>
+          <p:cNvPicPr>
+            <a:picLocks noChangeAspect="1"/>
+          </p:cNvPicPr>
+          <p:nvPr/>
+        </p:nvPicPr>
+        <p:blipFill>
+          <a:blip r:embed="rId3"/>
+          <a:stretch>
+            <a:fillRect/>
+          </a:stretch>
+        </p:blipFill>
+        <p:spPr>
+          <a:xfrm>
+            <a:off x="6304058" y="1433792"/>
+            <a:ext cx="5235989" cy="3412897"/>
+          </a:xfrm>
+          <a:prstGeom prst="rect">
+            <a:avLst/>
+          </a:prstGeom>
+        </p:spPr>
+      </p:pic>
+    </p:spTree>
+    <p:extLst>
+      <p:ext uri="{BB962C8B-B14F-4D97-AF65-F5344CB8AC3E}">
+        <p14:creationId xmlns:p14="http://schemas.microsoft.com/office/powerpoint/2010/main" val="4196446447"/>
+      </p:ext>
+    </p:extLst>
+  </p:cSld>
+  <p:clrMapOvr>
+    <a:masterClrMapping/>
+  </p:clrMapOvr>
+</p:sld>
+</file>
+
+<file path=ppt/slides/slide7.xml><?xml version="1.0" encoding="utf-8"?>
+<p:sld xmlns:a="http://schemas.openxmlformats.org/drawingml/2006/main" xmlns:r="http://schemas.openxmlformats.org/officeDocument/2006/relationships" xmlns:p="http://schemas.openxmlformats.org/presentationml/2006/main">
+  <p:cSld>
+    <p:spTree>
+      <p:nvGrpSpPr>
+        <p:cNvPr id="1" name=""/>
+        <p:cNvGrpSpPr/>
+        <p:nvPr/>
+      </p:nvGrpSpPr>
+      <p:grpSpPr>
+        <a:xfrm>
+          <a:off x="0" y="0"/>
+          <a:ext cx="0" cy="0"/>
+          <a:chOff x="0" y="0"/>
+          <a:chExt cx="0" cy="0"/>
+        </a:xfrm>
+      </p:grpSpPr>
+      <p:sp>
+        <p:nvSpPr>
+          <p:cNvPr id="2" name="TextBox 1"/>
           <p:cNvSpPr txBox="1"/>
           <p:nvPr/>
         </p:nvSpPr>
         <p:spPr>
           <a:xfrm>
-            <a:off x="2916199" y="2162433"/>
-            <a:ext cx="6230360" cy="1569660"/>
+            <a:off x="323133" y="192505"/>
+            <a:ext cx="1623073" cy="461665"/>
           </a:xfrm>
           <a:prstGeom prst="rect">
             <a:avLst/>
@@ -5031,22 +5389,14 @@
           <a:lstStyle/>
           <a:p>
             <a:r>
-              <a:rPr lang="en-US" sz="9600" b="1" dirty="0" smtClean="0">
-                <a:solidFill>
-                  <a:srgbClr val="7030A0"/>
-                </a:solidFill>
+              <a:rPr lang="en" sz="2400" dirty="0" smtClean="0">
                 <a:latin typeface="Segoe UI" panose="020B0502040204020203" pitchFamily="34" charset="0"/>
-                <a:ea typeface="Verdana" panose="020B0604030504040204" pitchFamily="34" charset="0"/>
                 <a:cs typeface="Segoe UI" panose="020B0502040204020203" pitchFamily="34" charset="0"/>
               </a:rPr>
-              <a:t>Thank you</a:t>
-            </a:r>
-            <a:endParaRPr lang="en-US" sz="9600" b="1" dirty="0">
-              <a:solidFill>
-                <a:srgbClr val="7030A0"/>
-              </a:solidFill>
+              <a:t>The slicers</a:t>
+            </a:r>
+            <a:endParaRPr lang="en-US" sz="2400" dirty="0">
               <a:latin typeface="Segoe UI" panose="020B0502040204020203" pitchFamily="34" charset="0"/>
-              <a:ea typeface="Verdana" panose="020B0604030504040204" pitchFamily="34" charset="0"/>
               <a:cs typeface="Segoe UI" panose="020B0502040204020203" pitchFamily="34" charset="0"/>
             </a:endParaRPr>
           </a:p>
@@ -5054,14 +5404,264 @@
       </p:sp>
       <p:sp>
         <p:nvSpPr>
-          <p:cNvPr id="6" name="TextBox 5"/>
+          <p:cNvPr id="3" name="Rectangle 2"/>
+          <p:cNvSpPr/>
+          <p:nvPr/>
+        </p:nvSpPr>
+        <p:spPr>
+          <a:xfrm>
+            <a:off x="371260" y="742032"/>
+            <a:ext cx="11062178" cy="388696"/>
+          </a:xfrm>
+          <a:prstGeom prst="rect">
+            <a:avLst/>
+          </a:prstGeom>
+        </p:spPr>
+        <p:txBody>
+          <a:bodyPr wrap="square">
+            <a:spAutoFit/>
+          </a:bodyPr>
+          <a:lstStyle/>
+          <a:p>
+            <a:pPr lvl="0">
+              <a:lnSpc>
+                <a:spcPct val="107000"/>
+              </a:lnSpc>
+              <a:spcAft>
+                <a:spcPts val="800"/>
+              </a:spcAft>
+            </a:pPr>
+            <a:r>
+              <a:rPr lang="en" dirty="0" smtClean="0">
+                <a:latin typeface="Segoe UI" panose="020B0502040204020203" pitchFamily="34" charset="0"/>
+                <a:ea typeface="Calibri" panose="020F0502020204030204" pitchFamily="34" charset="0"/>
+                <a:cs typeface="Times New Roman" panose="02020603050405020304" pitchFamily="18" charset="0"/>
+              </a:rPr>
+              <a:t>Try to change the selection mode and observe the change</a:t>
+            </a:r>
+            <a:endParaRPr lang="en-US" sz="1400" b="1" dirty="0">
+              <a:effectLst/>
+              <a:latin typeface="Calibri" panose="020F0502020204030204" pitchFamily="34" charset="0"/>
+              <a:ea typeface="Calibri" panose="020F0502020204030204" pitchFamily="34" charset="0"/>
+              <a:cs typeface="Times New Roman" panose="02020603050405020304" pitchFamily="18" charset="0"/>
+            </a:endParaRPr>
+          </a:p>
+        </p:txBody>
+      </p:sp>
+      <p:pic>
+        <p:nvPicPr>
+          <p:cNvPr id="4" name="Picture 3"/>
+          <p:cNvPicPr>
+            <a:picLocks noChangeAspect="1"/>
+          </p:cNvPicPr>
+          <p:nvPr/>
+        </p:nvPicPr>
+        <p:blipFill>
+          <a:blip r:embed="rId2"/>
+          <a:stretch>
+            <a:fillRect/>
+          </a:stretch>
+        </p:blipFill>
+        <p:spPr>
+          <a:xfrm>
+            <a:off x="555549" y="1294202"/>
+            <a:ext cx="2105149" cy="4549838"/>
+          </a:xfrm>
+          <a:prstGeom prst="rect">
+            <a:avLst/>
+          </a:prstGeom>
+        </p:spPr>
+      </p:pic>
+      <p:sp>
+        <p:nvSpPr>
+          <p:cNvPr id="8" name="Oval 7"/>
+          <p:cNvSpPr/>
+          <p:nvPr/>
+        </p:nvSpPr>
+        <p:spPr>
+          <a:xfrm>
+            <a:off x="1044851" y="1585185"/>
+            <a:ext cx="440013" cy="440012"/>
+          </a:xfrm>
+          <a:prstGeom prst="ellipse">
+            <a:avLst/>
+          </a:prstGeom>
+          <a:solidFill>
+            <a:srgbClr val="FF0000"/>
+          </a:solidFill>
+          <a:ln>
+            <a:noFill/>
+          </a:ln>
+        </p:spPr>
+        <p:style>
+          <a:lnRef idx="2">
+            <a:schemeClr val="accent1">
+              <a:shade val="50000"/>
+            </a:schemeClr>
+          </a:lnRef>
+          <a:fillRef idx="1">
+            <a:schemeClr val="accent1"/>
+          </a:fillRef>
+          <a:effectRef idx="0">
+            <a:schemeClr val="accent1"/>
+          </a:effectRef>
+          <a:fontRef idx="minor">
+            <a:schemeClr val="lt1"/>
+          </a:fontRef>
+        </p:style>
+        <p:txBody>
+          <a:bodyPr rtlCol="0" anchor="ctr"/>
+          <a:lstStyle/>
+          <a:p>
+            <a:pPr algn="ctr"/>
+            <a:r>
+              <a:rPr lang="en" b="1" dirty="0" smtClean="0"/>
+              <a:t>1</a:t>
+            </a:r>
+            <a:endParaRPr lang="en-US" b="1" dirty="0"/>
+          </a:p>
+        </p:txBody>
+      </p:sp>
+      <p:sp>
+        <p:nvSpPr>
+          <p:cNvPr id="9" name="Oval 8"/>
+          <p:cNvSpPr/>
+          <p:nvPr/>
+        </p:nvSpPr>
+        <p:spPr>
+          <a:xfrm>
+            <a:off x="1484864" y="3937645"/>
+            <a:ext cx="440013" cy="440012"/>
+          </a:xfrm>
+          <a:prstGeom prst="ellipse">
+            <a:avLst/>
+          </a:prstGeom>
+          <a:solidFill>
+            <a:srgbClr val="FF0000"/>
+          </a:solidFill>
+          <a:ln>
+            <a:noFill/>
+          </a:ln>
+        </p:spPr>
+        <p:style>
+          <a:lnRef idx="2">
+            <a:schemeClr val="accent1">
+              <a:shade val="50000"/>
+            </a:schemeClr>
+          </a:lnRef>
+          <a:fillRef idx="1">
+            <a:schemeClr val="accent1"/>
+          </a:fillRef>
+          <a:effectRef idx="0">
+            <a:schemeClr val="accent1"/>
+          </a:effectRef>
+          <a:fontRef idx="minor">
+            <a:schemeClr val="lt1"/>
+          </a:fontRef>
+        </p:style>
+        <p:txBody>
+          <a:bodyPr rtlCol="0" anchor="ctr"/>
+          <a:lstStyle/>
+          <a:p>
+            <a:pPr algn="ctr"/>
+            <a:r>
+              <a:rPr lang="en" b="1" dirty="0" smtClean="0"/>
+              <a:t>2</a:t>
+            </a:r>
+            <a:endParaRPr lang="en-US" b="1" dirty="0"/>
+          </a:p>
+        </p:txBody>
+      </p:sp>
+      <p:sp>
+        <p:nvSpPr>
+          <p:cNvPr id="10" name="Oval 9"/>
+          <p:cNvSpPr/>
+          <p:nvPr/>
+        </p:nvSpPr>
+        <p:spPr>
+          <a:xfrm>
+            <a:off x="2440691" y="4714541"/>
+            <a:ext cx="440013" cy="440012"/>
+          </a:xfrm>
+          <a:prstGeom prst="ellipse">
+            <a:avLst/>
+          </a:prstGeom>
+          <a:solidFill>
+            <a:srgbClr val="FF0000"/>
+          </a:solidFill>
+          <a:ln>
+            <a:noFill/>
+          </a:ln>
+        </p:spPr>
+        <p:style>
+          <a:lnRef idx="2">
+            <a:schemeClr val="accent1">
+              <a:shade val="50000"/>
+            </a:schemeClr>
+          </a:lnRef>
+          <a:fillRef idx="1">
+            <a:schemeClr val="accent1"/>
+          </a:fillRef>
+          <a:effectRef idx="0">
+            <a:schemeClr val="accent1"/>
+          </a:effectRef>
+          <a:fontRef idx="minor">
+            <a:schemeClr val="lt1"/>
+          </a:fontRef>
+        </p:style>
+        <p:txBody>
+          <a:bodyPr rtlCol="0" anchor="ctr"/>
+          <a:lstStyle/>
+          <a:p>
+            <a:pPr algn="ctr"/>
+            <a:r>
+              <a:rPr lang="en" b="1" dirty="0" smtClean="0"/>
+              <a:t>3</a:t>
+            </a:r>
+            <a:endParaRPr lang="en-US" b="1" dirty="0"/>
+          </a:p>
+        </p:txBody>
+      </p:sp>
+    </p:spTree>
+    <p:extLst>
+      <p:ext uri="{BB962C8B-B14F-4D97-AF65-F5344CB8AC3E}">
+        <p14:creationId xmlns:p14="http://schemas.microsoft.com/office/powerpoint/2010/main" val="144488420"/>
+      </p:ext>
+    </p:extLst>
+  </p:cSld>
+  <p:clrMapOvr>
+    <a:masterClrMapping/>
+  </p:clrMapOvr>
+</p:sld>
+</file>
+
+<file path=ppt/slides/slide8.xml><?xml version="1.0" encoding="utf-8"?>
+<p:sld xmlns:a="http://schemas.openxmlformats.org/drawingml/2006/main" xmlns:r="http://schemas.openxmlformats.org/officeDocument/2006/relationships" xmlns:p="http://schemas.openxmlformats.org/presentationml/2006/main">
+  <p:cSld>
+    <p:spTree>
+      <p:nvGrpSpPr>
+        <p:cNvPr id="1" name=""/>
+        <p:cNvGrpSpPr/>
+        <p:nvPr/>
+      </p:nvGrpSpPr>
+      <p:grpSpPr>
+        <a:xfrm>
+          <a:off x="0" y="0"/>
+          <a:ext cx="0" cy="0"/>
+          <a:chOff x="0" y="0"/>
+          <a:chExt cx="0" cy="0"/>
+        </a:xfrm>
+      </p:grpSpPr>
+      <p:sp>
+        <p:nvSpPr>
+          <p:cNvPr id="2" name="TextBox 1"/>
           <p:cNvSpPr txBox="1"/>
           <p:nvPr/>
         </p:nvSpPr>
         <p:spPr>
           <a:xfrm>
-            <a:off x="2990336" y="2217861"/>
-            <a:ext cx="6230360" cy="1569660"/>
+            <a:off x="323133" y="192505"/>
+            <a:ext cx="1623073" cy="461665"/>
           </a:xfrm>
           <a:prstGeom prst="rect">
             <a:avLst/>
@@ -5075,31 +5675,419 @@
           <a:lstStyle/>
           <a:p>
             <a:r>
-              <a:rPr lang="en-US" sz="9600" b="1" dirty="0" smtClean="0">
-                <a:solidFill>
-                  <a:schemeClr val="bg1"/>
-                </a:solidFill>
+              <a:rPr lang="en" sz="2400" dirty="0" smtClean="0">
                 <a:latin typeface="Segoe UI" panose="020B0502040204020203" pitchFamily="34" charset="0"/>
-                <a:ea typeface="Verdana" panose="020B0604030504040204" pitchFamily="34" charset="0"/>
                 <a:cs typeface="Segoe UI" panose="020B0502040204020203" pitchFamily="34" charset="0"/>
               </a:rPr>
-              <a:t>Thank you</a:t>
-            </a:r>
-            <a:endParaRPr lang="en-US" sz="9600" b="1" dirty="0">
-              <a:solidFill>
-                <a:schemeClr val="bg1"/>
-              </a:solidFill>
+              <a:t>The slicers</a:t>
+            </a:r>
+            <a:endParaRPr lang="en-US" sz="2400" dirty="0">
               <a:latin typeface="Segoe UI" panose="020B0502040204020203" pitchFamily="34" charset="0"/>
-              <a:ea typeface="Verdana" panose="020B0604030504040204" pitchFamily="34" charset="0"/>
               <a:cs typeface="Segoe UI" panose="020B0502040204020203" pitchFamily="34" charset="0"/>
             </a:endParaRPr>
           </a:p>
         </p:txBody>
       </p:sp>
+      <p:sp>
+        <p:nvSpPr>
+          <p:cNvPr id="3" name="Rectangle 2"/>
+          <p:cNvSpPr/>
+          <p:nvPr/>
+        </p:nvSpPr>
+        <p:spPr>
+          <a:xfrm>
+            <a:off x="371260" y="742032"/>
+            <a:ext cx="11062178" cy="373692"/>
+          </a:xfrm>
+          <a:prstGeom prst="rect">
+            <a:avLst/>
+          </a:prstGeom>
+        </p:spPr>
+        <p:txBody>
+          <a:bodyPr wrap="square">
+            <a:spAutoFit/>
+          </a:bodyPr>
+          <a:lstStyle/>
+          <a:p>
+            <a:pPr lvl="0">
+              <a:lnSpc>
+                <a:spcPct val="107000"/>
+              </a:lnSpc>
+              <a:spcAft>
+                <a:spcPts val="800"/>
+              </a:spcAft>
+            </a:pPr>
+            <a:r>
+              <a:rPr lang="en" dirty="0" smtClean="0">
+                <a:latin typeface="Segoe UI" panose="020B0502040204020203" pitchFamily="34" charset="0"/>
+                <a:ea typeface="Calibri" panose="020F0502020204030204" pitchFamily="34" charset="0"/>
+                <a:cs typeface="Times New Roman" panose="02020603050405020304" pitchFamily="18" charset="0"/>
+              </a:rPr>
+              <a:t>Hold the </a:t>
+            </a:r>
+            <a:r>
+              <a:rPr lang="en" b="1" dirty="0" smtClean="0">
+                <a:latin typeface="Segoe UI" panose="020B0502040204020203" pitchFamily="34" charset="0"/>
+                <a:ea typeface="Calibri" panose="020F0502020204030204" pitchFamily="34" charset="0"/>
+                <a:cs typeface="Times New Roman" panose="02020603050405020304" pitchFamily="18" charset="0"/>
+              </a:rPr>
+              <a:t>Ctrl </a:t>
+            </a:r>
+            <a:r>
+              <a:rPr lang="en" dirty="0" smtClean="0">
+                <a:latin typeface="Segoe UI" panose="020B0502040204020203" pitchFamily="34" charset="0"/>
+                <a:ea typeface="Calibri" panose="020F0502020204030204" pitchFamily="34" charset="0"/>
+                <a:cs typeface="Times New Roman" panose="02020603050405020304" pitchFamily="18" charset="0"/>
+              </a:rPr>
+              <a:t>button and try to select multiple months</a:t>
+            </a:r>
+            <a:endParaRPr lang="en-US" sz="1400" b="1" dirty="0">
+              <a:effectLst/>
+              <a:latin typeface="Calibri" panose="020F0502020204030204" pitchFamily="34" charset="0"/>
+              <a:ea typeface="Calibri" panose="020F0502020204030204" pitchFamily="34" charset="0"/>
+              <a:cs typeface="Times New Roman" panose="02020603050405020304" pitchFamily="18" charset="0"/>
+            </a:endParaRPr>
+          </a:p>
+        </p:txBody>
+      </p:sp>
+      <p:pic>
+        <p:nvPicPr>
+          <p:cNvPr id="5" name="Picture 4"/>
+          <p:cNvPicPr>
+            <a:picLocks noChangeAspect="1"/>
+          </p:cNvPicPr>
+          <p:nvPr/>
+        </p:nvPicPr>
+        <p:blipFill>
+          <a:blip r:embed="rId2"/>
+          <a:stretch>
+            <a:fillRect/>
+          </a:stretch>
+        </p:blipFill>
+        <p:spPr>
+          <a:xfrm>
+            <a:off x="429296" y="1203586"/>
+            <a:ext cx="5792008" cy="3962953"/>
+          </a:xfrm>
+          <a:prstGeom prst="rect">
+            <a:avLst/>
+          </a:prstGeom>
+        </p:spPr>
+      </p:pic>
     </p:spTree>
     <p:extLst>
       <p:ext uri="{BB962C8B-B14F-4D97-AF65-F5344CB8AC3E}">
-        <p14:creationId xmlns:p14="http://schemas.microsoft.com/office/powerpoint/2010/main" val="3494127604"/>
+        <p14:creationId xmlns:p14="http://schemas.microsoft.com/office/powerpoint/2010/main" val="1930608676"/>
+      </p:ext>
+    </p:extLst>
+  </p:cSld>
+  <p:clrMapOvr>
+    <a:masterClrMapping/>
+  </p:clrMapOvr>
+</p:sld>
+</file>
+
+<file path=ppt/slides/slide9.xml><?xml version="1.0" encoding="utf-8"?>
+<p:sld xmlns:a="http://schemas.openxmlformats.org/drawingml/2006/main" xmlns:r="http://schemas.openxmlformats.org/officeDocument/2006/relationships" xmlns:p="http://schemas.openxmlformats.org/presentationml/2006/main">
+  <p:cSld>
+    <p:spTree>
+      <p:nvGrpSpPr>
+        <p:cNvPr id="1" name=""/>
+        <p:cNvGrpSpPr/>
+        <p:nvPr/>
+      </p:nvGrpSpPr>
+      <p:grpSpPr>
+        <a:xfrm>
+          <a:off x="0" y="0"/>
+          <a:ext cx="0" cy="0"/>
+          <a:chOff x="0" y="0"/>
+          <a:chExt cx="0" cy="0"/>
+        </a:xfrm>
+      </p:grpSpPr>
+      <p:sp>
+        <p:nvSpPr>
+          <p:cNvPr id="2" name="TextBox 1"/>
+          <p:cNvSpPr txBox="1"/>
+          <p:nvPr/>
+        </p:nvSpPr>
+        <p:spPr>
+          <a:xfrm>
+            <a:off x="323133" y="192505"/>
+            <a:ext cx="1623073" cy="461665"/>
+          </a:xfrm>
+          <a:prstGeom prst="rect">
+            <a:avLst/>
+          </a:prstGeom>
+          <a:noFill/>
+        </p:spPr>
+        <p:txBody>
+          <a:bodyPr wrap="none" rtlCol="0">
+            <a:spAutoFit/>
+          </a:bodyPr>
+          <a:lstStyle/>
+          <a:p>
+            <a:r>
+              <a:rPr lang="en" sz="2400" dirty="0" smtClean="0">
+                <a:latin typeface="Segoe UI" panose="020B0502040204020203" pitchFamily="34" charset="0"/>
+                <a:cs typeface="Segoe UI" panose="020B0502040204020203" pitchFamily="34" charset="0"/>
+              </a:rPr>
+              <a:t>The slicers</a:t>
+            </a:r>
+            <a:endParaRPr lang="en-US" sz="2400" dirty="0">
+              <a:latin typeface="Segoe UI" panose="020B0502040204020203" pitchFamily="34" charset="0"/>
+              <a:cs typeface="Segoe UI" panose="020B0502040204020203" pitchFamily="34" charset="0"/>
+            </a:endParaRPr>
+          </a:p>
+        </p:txBody>
+      </p:sp>
+      <p:sp>
+        <p:nvSpPr>
+          <p:cNvPr id="3" name="Rectangle 2"/>
+          <p:cNvSpPr/>
+          <p:nvPr/>
+        </p:nvSpPr>
+        <p:spPr>
+          <a:xfrm>
+            <a:off x="371260" y="742032"/>
+            <a:ext cx="11062178" cy="373692"/>
+          </a:xfrm>
+          <a:prstGeom prst="rect">
+            <a:avLst/>
+          </a:prstGeom>
+        </p:spPr>
+        <p:txBody>
+          <a:bodyPr wrap="square">
+            <a:spAutoFit/>
+          </a:bodyPr>
+          <a:lstStyle/>
+          <a:p>
+            <a:pPr lvl="0">
+              <a:lnSpc>
+                <a:spcPct val="107000"/>
+              </a:lnSpc>
+              <a:spcAft>
+                <a:spcPts val="800"/>
+              </a:spcAft>
+            </a:pPr>
+            <a:r>
+              <a:rPr lang="en" dirty="0" smtClean="0">
+                <a:latin typeface="Segoe UI" panose="020B0502040204020203" pitchFamily="34" charset="0"/>
+                <a:ea typeface="Calibri" panose="020F0502020204030204" pitchFamily="34" charset="0"/>
+                <a:cs typeface="Times New Roman" panose="02020603050405020304" pitchFamily="18" charset="0"/>
+              </a:rPr>
+              <a:t>Activate the single select and try to select multiple values</a:t>
+            </a:r>
+            <a:endParaRPr lang="en-US" sz="1400" b="1" dirty="0">
+              <a:effectLst/>
+              <a:latin typeface="Calibri" panose="020F0502020204030204" pitchFamily="34" charset="0"/>
+              <a:ea typeface="Calibri" panose="020F0502020204030204" pitchFamily="34" charset="0"/>
+              <a:cs typeface="Times New Roman" panose="02020603050405020304" pitchFamily="18" charset="0"/>
+            </a:endParaRPr>
+          </a:p>
+        </p:txBody>
+      </p:sp>
+      <p:pic>
+        <p:nvPicPr>
+          <p:cNvPr id="4" name="Picture 3"/>
+          <p:cNvPicPr>
+            <a:picLocks noChangeAspect="1"/>
+          </p:cNvPicPr>
+          <p:nvPr/>
+        </p:nvPicPr>
+        <p:blipFill>
+          <a:blip r:embed="rId2"/>
+          <a:stretch>
+            <a:fillRect/>
+          </a:stretch>
+        </p:blipFill>
+        <p:spPr>
+          <a:xfrm>
+            <a:off x="550830" y="1286655"/>
+            <a:ext cx="1931113" cy="4927668"/>
+          </a:xfrm>
+          <a:prstGeom prst="rect">
+            <a:avLst/>
+          </a:prstGeom>
+        </p:spPr>
+      </p:pic>
+      <p:sp>
+        <p:nvSpPr>
+          <p:cNvPr id="6" name="Oval 5"/>
+          <p:cNvSpPr/>
+          <p:nvPr/>
+        </p:nvSpPr>
+        <p:spPr>
+          <a:xfrm>
+            <a:off x="1044851" y="1585185"/>
+            <a:ext cx="440013" cy="440012"/>
+          </a:xfrm>
+          <a:prstGeom prst="ellipse">
+            <a:avLst/>
+          </a:prstGeom>
+          <a:solidFill>
+            <a:srgbClr val="FF0000"/>
+          </a:solidFill>
+          <a:ln>
+            <a:noFill/>
+          </a:ln>
+        </p:spPr>
+        <p:style>
+          <a:lnRef idx="2">
+            <a:schemeClr val="accent1">
+              <a:shade val="50000"/>
+            </a:schemeClr>
+          </a:lnRef>
+          <a:fillRef idx="1">
+            <a:schemeClr val="accent1"/>
+          </a:fillRef>
+          <a:effectRef idx="0">
+            <a:schemeClr val="accent1"/>
+          </a:effectRef>
+          <a:fontRef idx="minor">
+            <a:schemeClr val="lt1"/>
+          </a:fontRef>
+        </p:style>
+        <p:txBody>
+          <a:bodyPr rtlCol="0" anchor="ctr"/>
+          <a:lstStyle/>
+          <a:p>
+            <a:pPr algn="ctr"/>
+            <a:r>
+              <a:rPr lang="en" b="1" dirty="0" smtClean="0"/>
+              <a:t>1</a:t>
+            </a:r>
+            <a:endParaRPr lang="en-US" b="1" dirty="0"/>
+          </a:p>
+        </p:txBody>
+      </p:sp>
+      <p:sp>
+        <p:nvSpPr>
+          <p:cNvPr id="7" name="Oval 6"/>
+          <p:cNvSpPr/>
+          <p:nvPr/>
+        </p:nvSpPr>
+        <p:spPr>
+          <a:xfrm>
+            <a:off x="1416112" y="4163535"/>
+            <a:ext cx="440013" cy="440012"/>
+          </a:xfrm>
+          <a:prstGeom prst="ellipse">
+            <a:avLst/>
+          </a:prstGeom>
+          <a:solidFill>
+            <a:srgbClr val="FF0000"/>
+          </a:solidFill>
+          <a:ln>
+            <a:noFill/>
+          </a:ln>
+        </p:spPr>
+        <p:style>
+          <a:lnRef idx="2">
+            <a:schemeClr val="accent1">
+              <a:shade val="50000"/>
+            </a:schemeClr>
+          </a:lnRef>
+          <a:fillRef idx="1">
+            <a:schemeClr val="accent1"/>
+          </a:fillRef>
+          <a:effectRef idx="0">
+            <a:schemeClr val="accent1"/>
+          </a:effectRef>
+          <a:fontRef idx="minor">
+            <a:schemeClr val="lt1"/>
+          </a:fontRef>
+        </p:style>
+        <p:txBody>
+          <a:bodyPr rtlCol="0" anchor="ctr"/>
+          <a:lstStyle/>
+          <a:p>
+            <a:pPr algn="ctr"/>
+            <a:r>
+              <a:rPr lang="en" b="1" dirty="0" smtClean="0"/>
+              <a:t>2</a:t>
+            </a:r>
+            <a:endParaRPr lang="en-US" b="1" dirty="0"/>
+          </a:p>
+        </p:txBody>
+      </p:sp>
+      <p:sp>
+        <p:nvSpPr>
+          <p:cNvPr id="8" name="Oval 7"/>
+          <p:cNvSpPr/>
+          <p:nvPr/>
+        </p:nvSpPr>
+        <p:spPr>
+          <a:xfrm>
+            <a:off x="1726199" y="5078926"/>
+            <a:ext cx="440013" cy="440012"/>
+          </a:xfrm>
+          <a:prstGeom prst="ellipse">
+            <a:avLst/>
+          </a:prstGeom>
+          <a:solidFill>
+            <a:srgbClr val="FF0000"/>
+          </a:solidFill>
+          <a:ln>
+            <a:noFill/>
+          </a:ln>
+        </p:spPr>
+        <p:style>
+          <a:lnRef idx="2">
+            <a:schemeClr val="accent1">
+              <a:shade val="50000"/>
+            </a:schemeClr>
+          </a:lnRef>
+          <a:fillRef idx="1">
+            <a:schemeClr val="accent1"/>
+          </a:fillRef>
+          <a:effectRef idx="0">
+            <a:schemeClr val="accent1"/>
+          </a:effectRef>
+          <a:fontRef idx="minor">
+            <a:schemeClr val="lt1"/>
+          </a:fontRef>
+        </p:style>
+        <p:txBody>
+          <a:bodyPr rtlCol="0" anchor="ctr"/>
+          <a:lstStyle/>
+          <a:p>
+            <a:pPr algn="ctr"/>
+            <a:r>
+              <a:rPr lang="en" b="1" dirty="0" smtClean="0"/>
+              <a:t>3</a:t>
+            </a:r>
+            <a:endParaRPr lang="en-US" b="1" dirty="0"/>
+          </a:p>
+        </p:txBody>
+      </p:sp>
+      <p:pic>
+        <p:nvPicPr>
+          <p:cNvPr id="9" name="Picture 8"/>
+          <p:cNvPicPr>
+            <a:picLocks noChangeAspect="1"/>
+          </p:cNvPicPr>
+          <p:nvPr/>
+        </p:nvPicPr>
+        <p:blipFill>
+          <a:blip r:embed="rId3"/>
+          <a:stretch>
+            <a:fillRect/>
+          </a:stretch>
+        </p:blipFill>
+        <p:spPr>
+          <a:xfrm>
+            <a:off x="2783305" y="1220763"/>
+            <a:ext cx="5649113" cy="3858163"/>
+          </a:xfrm>
+          <a:prstGeom prst="rect">
+            <a:avLst/>
+          </a:prstGeom>
+        </p:spPr>
+      </p:pic>
+    </p:spTree>
+    <p:extLst>
+      <p:ext uri="{BB962C8B-B14F-4D97-AF65-F5344CB8AC3E}">
+        <p14:creationId xmlns:p14="http://schemas.microsoft.com/office/powerpoint/2010/main" val="1469180097"/>
       </p:ext>
     </p:extLst>
   </p:cSld>
